--- a/rpg수정.pptx
+++ b/rpg수정.pptx
@@ -1,6 +1,6 @@
 
 <file path=ppt/presentation.xml><?xml version="1.0" encoding="utf-8"?>
-<p:presentation xmlns:r="http://schemas.openxmlformats.org/officeDocument/2006/relationships" xmlns:c="http://schemas.openxmlformats.org/drawingml/2006/chart" xmlns:a="http://schemas.openxmlformats.org/drawingml/2006/main" xmlns:dgm="http://schemas.openxmlformats.org/drawingml/2006/diagram" xmlns:dsp="http://schemas.microsoft.com/office/drawing/2008/diagram" xmlns:p="http://schemas.openxmlformats.org/presentationml/2006/main">
+<p:presentation xmlns:a="http://schemas.openxmlformats.org/drawingml/2006/main" xmlns:r="http://schemas.openxmlformats.org/officeDocument/2006/relationships" xmlns:p="http://schemas.openxmlformats.org/presentationml/2006/main">
   <p:sldMasterIdLst>
     <p:sldMasterId id="2147483648" r:id="rId1"/>
   </p:sldMasterIdLst>
@@ -104,6 +104,11 @@
       </a:defRPr>
     </a:lvl9pPr>
   </p:defaultTextStyle>
+  <p:extLst>
+    <p:ext uri="{EFAFB233-063F-42B5-8137-9DF3F51BA10A}">
+      <p15:sldGuideLst xmlns:p15="http://schemas.microsoft.com/office/powerpoint/2012/main"/>
+    </p:ext>
+  </p:extLst>
 </p:presentation>
 </file>
 
@@ -254,7 +259,7 @@
           <a:p>
             <a:fld id="{B74977E4-F875-4F5F-B595-3590DFB9EDB3}" type="datetimeFigureOut">
               <a:rPr lang="ko-KR" altLang="en-US" smtClean="0"/>
-              <a:t>2024-09-29</a:t>
+              <a:t>2024-09-30</a:t>
             </a:fld>
             <a:endParaRPr lang="ko-KR" altLang="en-US"/>
           </a:p>
@@ -452,7 +457,7 @@
           <a:p>
             <a:fld id="{B74977E4-F875-4F5F-B595-3590DFB9EDB3}" type="datetimeFigureOut">
               <a:rPr lang="ko-KR" altLang="en-US" smtClean="0"/>
-              <a:t>2024-09-29</a:t>
+              <a:t>2024-09-30</a:t>
             </a:fld>
             <a:endParaRPr lang="ko-KR" altLang="en-US"/>
           </a:p>
@@ -660,7 +665,7 @@
           <a:p>
             <a:fld id="{B74977E4-F875-4F5F-B595-3590DFB9EDB3}" type="datetimeFigureOut">
               <a:rPr lang="ko-KR" altLang="en-US" smtClean="0"/>
-              <a:t>2024-09-29</a:t>
+              <a:t>2024-09-30</a:t>
             </a:fld>
             <a:endParaRPr lang="ko-KR" altLang="en-US"/>
           </a:p>
@@ -858,7 +863,7 @@
           <a:p>
             <a:fld id="{B74977E4-F875-4F5F-B595-3590DFB9EDB3}" type="datetimeFigureOut">
               <a:rPr lang="ko-KR" altLang="en-US" smtClean="0"/>
-              <a:t>2024-09-29</a:t>
+              <a:t>2024-09-30</a:t>
             </a:fld>
             <a:endParaRPr lang="ko-KR" altLang="en-US"/>
           </a:p>
@@ -1133,7 +1138,7 @@
           <a:p>
             <a:fld id="{B74977E4-F875-4F5F-B595-3590DFB9EDB3}" type="datetimeFigureOut">
               <a:rPr lang="ko-KR" altLang="en-US" smtClean="0"/>
-              <a:t>2024-09-29</a:t>
+              <a:t>2024-09-30</a:t>
             </a:fld>
             <a:endParaRPr lang="ko-KR" altLang="en-US"/>
           </a:p>
@@ -1398,7 +1403,7 @@
           <a:p>
             <a:fld id="{B74977E4-F875-4F5F-B595-3590DFB9EDB3}" type="datetimeFigureOut">
               <a:rPr lang="ko-KR" altLang="en-US" smtClean="0"/>
-              <a:t>2024-09-29</a:t>
+              <a:t>2024-09-30</a:t>
             </a:fld>
             <a:endParaRPr lang="ko-KR" altLang="en-US"/>
           </a:p>
@@ -1810,7 +1815,7 @@
           <a:p>
             <a:fld id="{B74977E4-F875-4F5F-B595-3590DFB9EDB3}" type="datetimeFigureOut">
               <a:rPr lang="ko-KR" altLang="en-US" smtClean="0"/>
-              <a:t>2024-09-29</a:t>
+              <a:t>2024-09-30</a:t>
             </a:fld>
             <a:endParaRPr lang="ko-KR" altLang="en-US"/>
           </a:p>
@@ -1951,7 +1956,7 @@
           <a:p>
             <a:fld id="{B74977E4-F875-4F5F-B595-3590DFB9EDB3}" type="datetimeFigureOut">
               <a:rPr lang="ko-KR" altLang="en-US" smtClean="0"/>
-              <a:t>2024-09-29</a:t>
+              <a:t>2024-09-30</a:t>
             </a:fld>
             <a:endParaRPr lang="ko-KR" altLang="en-US"/>
           </a:p>
@@ -2064,7 +2069,7 @@
           <a:p>
             <a:fld id="{B74977E4-F875-4F5F-B595-3590DFB9EDB3}" type="datetimeFigureOut">
               <a:rPr lang="ko-KR" altLang="en-US" smtClean="0"/>
-              <a:t>2024-09-29</a:t>
+              <a:t>2024-09-30</a:t>
             </a:fld>
             <a:endParaRPr lang="ko-KR" altLang="en-US"/>
           </a:p>
@@ -2375,7 +2380,7 @@
           <a:p>
             <a:fld id="{B74977E4-F875-4F5F-B595-3590DFB9EDB3}" type="datetimeFigureOut">
               <a:rPr lang="ko-KR" altLang="en-US" smtClean="0"/>
-              <a:t>2024-09-29</a:t>
+              <a:t>2024-09-30</a:t>
             </a:fld>
             <a:endParaRPr lang="ko-KR" altLang="en-US"/>
           </a:p>
@@ -2663,7 +2668,7 @@
           <a:p>
             <a:fld id="{B74977E4-F875-4F5F-B595-3590DFB9EDB3}" type="datetimeFigureOut">
               <a:rPr lang="ko-KR" altLang="en-US" smtClean="0"/>
-              <a:t>2024-09-29</a:t>
+              <a:t>2024-09-30</a:t>
             </a:fld>
             <a:endParaRPr lang="ko-KR" altLang="en-US"/>
           </a:p>
@@ -2904,7 +2909,7 @@
           <a:p>
             <a:fld id="{B74977E4-F875-4F5F-B595-3590DFB9EDB3}" type="datetimeFigureOut">
               <a:rPr lang="ko-KR" altLang="en-US" smtClean="0"/>
-              <a:t>2024-09-29</a:t>
+              <a:t>2024-09-30</a:t>
             </a:fld>
             <a:endParaRPr lang="ko-KR" altLang="en-US"/>
           </a:p>
@@ -3305,7 +3310,7 @@
 </file>
 
 <file path=ppt/slides/slide1.xml><?xml version="1.0" encoding="utf-8"?>
-<p:sld xmlns:r="http://schemas.openxmlformats.org/officeDocument/2006/relationships" xmlns:c="http://schemas.openxmlformats.org/drawingml/2006/chart" xmlns:a="http://schemas.openxmlformats.org/drawingml/2006/main" xmlns:dgm="http://schemas.openxmlformats.org/drawingml/2006/diagram" xmlns:dsp="http://schemas.microsoft.com/office/drawing/2008/diagram" xmlns:p="http://schemas.openxmlformats.org/presentationml/2006/main">
+<p:sld xmlns:a="http://schemas.openxmlformats.org/drawingml/2006/main" xmlns:r="http://schemas.openxmlformats.org/officeDocument/2006/relationships" xmlns:p="http://schemas.openxmlformats.org/presentationml/2006/main">
   <p:cSld>
     <p:spTree>
       <p:nvGrpSpPr>
@@ -3328,7 +3333,7 @@
             <a:spLocks noGrp="1"/>
           </p:cNvSpPr>
           <p:nvPr>
-            <p:ph type="ctrTitle" idx="0"/>
+            <p:ph type="ctrTitle"/>
           </p:nvPr>
         </p:nvSpPr>
         <p:spPr>
@@ -3541,14 +3546,6 @@
               </a:rPr>
               <a:t>모험가</a:t>
             </a:r>
-            <a:endParaRPr kumimoji="0" lang="ko-KR" altLang="en-US" sz="1200" b="0" i="0" u="none" strike="noStrike" kern="1200" cap="none" spc="0" normalizeH="0" baseline="0">
-              <a:solidFill>
-                <a:srgbClr val="000000"/>
-              </a:solidFill>
-              <a:latin typeface="Calibri"/>
-              <a:ea typeface="맑은 고딕"/>
-              <a:cs typeface="Calibri"/>
-            </a:endParaRPr>
           </a:p>
           <a:p>
             <a:pPr marL="0" lvl="0" indent="0" algn="ctr" defTabSz="914400" rtl="0" eaLnBrk="1" latinLnBrk="1" hangingPunct="1">
@@ -3608,14 +3605,6 @@
               </a:rPr>
               <a:t>exp,level,job,skillatk,needexp,addexp, addhp,</a:t>
             </a:r>
-            <a:endParaRPr lang="en-US" altLang="ko-KR" sz="1200">
-              <a:solidFill>
-                <a:srgbClr val="000000"/>
-              </a:solidFill>
-              <a:latin typeface="Calibri"/>
-              <a:ea typeface="맑은 고딕"/>
-              <a:cs typeface="Calibri"/>
-            </a:endParaRPr>
           </a:p>
           <a:p>
             <a:pPr marL="0" lvl="0" indent="0" algn="ctr" defTabSz="914400" rtl="0" eaLnBrk="1" latinLnBrk="1" hangingPunct="1">
@@ -3642,14 +3631,6 @@
               </a:rPr>
               <a:t>addmp,addatk,addskillatk.maxhp,maxmp</a:t>
             </a:r>
-            <a:endParaRPr lang="en-US" altLang="ko-KR" sz="1200">
-              <a:solidFill>
-                <a:srgbClr val="000000"/>
-              </a:solidFill>
-              <a:latin typeface="Calibri"/>
-              <a:ea typeface="맑은 고딕"/>
-              <a:cs typeface="Calibri"/>
-            </a:endParaRPr>
           </a:p>
           <a:p>
             <a:pPr marL="0" lvl="0" indent="0" algn="ctr" defTabSz="914400" rtl="0" eaLnBrk="1" latinLnBrk="1" hangingPunct="1">
@@ -3698,14 +3679,6 @@
               </a:rPr>
               <a:t>BuyItems</a:t>
             </a:r>
-            <a:endParaRPr lang="en-US" altLang="ko-KR" sz="1200">
-              <a:solidFill>
-                <a:srgbClr val="000000"/>
-              </a:solidFill>
-              <a:latin typeface="Calibri"/>
-              <a:ea typeface="맑은 고딕"/>
-              <a:cs typeface="Calibri"/>
-            </a:endParaRPr>
           </a:p>
         </p:txBody>
       </p:sp>
@@ -3763,14 +3736,6 @@
               </a:rPr>
               <a:t>몬스터</a:t>
             </a:r>
-            <a:endParaRPr kumimoji="0" lang="ko-KR" altLang="en-US" sz="1500" b="0" i="0" u="none" strike="noStrike" kern="1200" cap="none" spc="0" normalizeH="0" baseline="0">
-              <a:solidFill>
-                <a:srgbClr val="000000"/>
-              </a:solidFill>
-              <a:latin typeface="Calibri"/>
-              <a:ea typeface="맑은 고딕"/>
-              <a:cs typeface="Calibri"/>
-            </a:endParaRPr>
           </a:p>
           <a:p>
             <a:pPr marL="0" lvl="0" indent="0" algn="ctr" defTabSz="914400" rtl="0" eaLnBrk="1" latinLnBrk="1" hangingPunct="1">
@@ -3808,14 +3773,6 @@
               </a:rPr>
               <a:t>: species</a:t>
             </a:r>
-            <a:endParaRPr lang="en-US" altLang="ko-KR" sz="1500">
-              <a:solidFill>
-                <a:srgbClr val="000000"/>
-              </a:solidFill>
-              <a:latin typeface="Calibri"/>
-              <a:ea typeface="맑은 고딕"/>
-              <a:cs typeface="Calibri"/>
-            </a:endParaRPr>
           </a:p>
           <a:p>
             <a:pPr marL="0" lvl="0" indent="0" algn="ctr" defTabSz="914400" rtl="0" eaLnBrk="1" latinLnBrk="1" hangingPunct="1">
@@ -3842,14 +3799,6 @@
               </a:rPr>
               <a:t>difficulty</a:t>
             </a:r>
-            <a:endParaRPr lang="en-US" altLang="ko-KR" sz="1500">
-              <a:solidFill>
-                <a:srgbClr val="000000"/>
-              </a:solidFill>
-              <a:latin typeface="Calibri"/>
-              <a:ea typeface="맑은 고딕"/>
-              <a:cs typeface="Calibri"/>
-            </a:endParaRPr>
           </a:p>
         </p:txBody>
       </p:sp>
@@ -3907,14 +3856,6 @@
               </a:rPr>
               <a:t>npc</a:t>
             </a:r>
-            <a:endParaRPr kumimoji="0" lang="en-US" altLang="ko-KR" sz="1300" b="0" i="0" u="none" strike="noStrike" kern="1200" cap="none" spc="0" normalizeH="0" baseline="0">
-              <a:solidFill>
-                <a:srgbClr val="000000"/>
-              </a:solidFill>
-              <a:latin typeface="맑은 고딕"/>
-              <a:ea typeface="맑은 고딕"/>
-              <a:cs typeface="Calibri"/>
-            </a:endParaRPr>
           </a:p>
         </p:txBody>
       </p:sp>
@@ -3962,7 +3903,7 @@
               <a:defRPr/>
             </a:pPr>
             <a:r>
-              <a:rPr kumimoji="0" lang="ko-KR" altLang="en-US" sz="1200" b="0" i="0" u="none" strike="noStrike" kern="1200" cap="none" spc="0" normalizeH="0" baseline="0">
+              <a:rPr kumimoji="0" lang="ko-KR" altLang="en-US" sz="1200" b="0" i="0" u="none" strike="noStrike" kern="1200" cap="none" spc="0" normalizeH="0" baseline="0" dirty="0">
                 <a:solidFill>
                   <a:srgbClr val="000000"/>
                 </a:solidFill>
@@ -3973,7 +3914,7 @@
               <a:t>전</a:t>
             </a:r>
             <a:r>
-              <a:rPr lang="ko-KR" altLang="en-US" sz="1200">
+              <a:rPr lang="ko-KR" altLang="en-US" sz="1200" dirty="0">
                 <a:solidFill>
                   <a:srgbClr val="000000"/>
                 </a:solidFill>
@@ -3983,45 +3924,7 @@
               </a:rPr>
               <a:t>사</a:t>
             </a:r>
-            <a:endParaRPr lang="ko-KR" altLang="en-US" sz="1200">
-              <a:solidFill>
-                <a:srgbClr val="000000"/>
-              </a:solidFill>
-              <a:latin typeface="Calibri"/>
-              <a:ea typeface="맑은 고딕"/>
-              <a:cs typeface="Calibri"/>
-            </a:endParaRPr>
-          </a:p>
-          <a:p>
-            <a:pPr lvl="0" algn="ctr">
-              <a:spcBef>
-                <a:spcPct val="0"/>
-              </a:spcBef>
-              <a:defRPr/>
-            </a:pPr>
-            <a:r>
-              <a:rPr kumimoji="0" lang="ko-KR" altLang="en-US" sz="1200" b="0" i="0" u="none" strike="noStrike" kern="1200" cap="none" spc="0" normalizeH="0" baseline="0">
-                <a:solidFill>
-                  <a:srgbClr val="000000"/>
-                </a:solidFill>
-                <a:latin typeface="Calibri"/>
-                <a:ea typeface="맑은 고딕"/>
-                <a:cs typeface="Calibri"/>
-              </a:rPr>
-              <a:t>메서드 </a:t>
-            </a:r>
-            <a:r>
-              <a:rPr kumimoji="0" lang="en-US" altLang="ko-KR" sz="1200" b="0" i="0" u="none" strike="noStrike" kern="1200" cap="none" spc="0" normalizeH="0" baseline="0">
-                <a:solidFill>
-                  <a:srgbClr val="000000"/>
-                </a:solidFill>
-                <a:latin typeface="Calibri"/>
-                <a:ea typeface="맑은 고딕"/>
-                <a:cs typeface="Calibri"/>
-              </a:rPr>
-              <a:t>: SkillWa</a:t>
-            </a:r>
-            <a:endParaRPr kumimoji="0" lang="en-US" altLang="ko-KR" sz="1200" b="0" i="0" u="none" strike="noStrike" kern="1200" cap="none" spc="0" normalizeH="0" baseline="0">
+            <a:endParaRPr kumimoji="0" lang="en-US" altLang="ko-KR" sz="1200" b="0" i="0" u="none" strike="noStrike" kern="1200" cap="none" spc="0" normalizeH="0" baseline="0" dirty="0">
               <a:solidFill>
                 <a:srgbClr val="000000"/>
               </a:solidFill>
@@ -4044,7 +3947,7 @@
               <a:buNone/>
               <a:defRPr/>
             </a:pPr>
-            <a:endParaRPr kumimoji="0" lang="ko-KR" altLang="en-US" sz="1200" b="0" i="0" u="none" strike="noStrike" kern="1200" cap="none" spc="0" normalizeH="0" baseline="0">
+            <a:endParaRPr kumimoji="0" lang="ko-KR" altLang="en-US" sz="1200" b="0" i="0" u="none" strike="noStrike" kern="1200" cap="none" spc="0" normalizeH="0" baseline="0" dirty="0">
               <a:solidFill>
                 <a:srgbClr val="000000"/>
               </a:solidFill>
@@ -4099,7 +4002,7 @@
               <a:defRPr/>
             </a:pPr>
             <a:r>
-              <a:rPr kumimoji="0" lang="ko-KR" altLang="en-US" sz="1200" b="0" i="0" u="none" strike="noStrike" kern="1200" cap="none" spc="0" normalizeH="0" baseline="0">
+              <a:rPr kumimoji="0" lang="ko-KR" altLang="en-US" sz="1200" b="0" i="0" u="none" strike="noStrike" kern="1200" cap="none" spc="0" normalizeH="0" baseline="0" dirty="0">
                 <a:solidFill>
                   <a:srgbClr val="000000"/>
                 </a:solidFill>
@@ -4109,7 +4012,7 @@
               </a:rPr>
               <a:t>궁수</a:t>
             </a:r>
-            <a:endParaRPr kumimoji="0" lang="ko-KR" altLang="en-US" sz="1200" b="0" i="0" u="none" strike="noStrike" kern="1200" cap="none" spc="0" normalizeH="0" baseline="0">
+            <a:endParaRPr kumimoji="0" lang="en-US" altLang="ko-KR" sz="1200" b="0" i="0" u="none" strike="noStrike" kern="1200" cap="none" spc="0" normalizeH="0" baseline="0" dirty="0">
               <a:solidFill>
                 <a:srgbClr val="000000"/>
               </a:solidFill>
@@ -4125,45 +4028,7 @@
               </a:spcBef>
               <a:defRPr/>
             </a:pPr>
-            <a:r>
-              <a:rPr kumimoji="0" lang="ko-KR" altLang="en-US" sz="1200" b="0" i="0" u="none" strike="noStrike" kern="1200" cap="none" spc="0" normalizeH="0" baseline="0">
-                <a:solidFill>
-                  <a:srgbClr val="000000"/>
-                </a:solidFill>
-                <a:latin typeface="Calibri"/>
-                <a:ea typeface="맑은 고딕"/>
-                <a:cs typeface="Calibri"/>
-              </a:rPr>
-              <a:t>메서드</a:t>
-            </a:r>
-            <a:r>
-              <a:rPr kumimoji="0" lang="en-US" altLang="ko-KR" sz="1200" b="0" i="0" u="none" strike="noStrike" kern="1200" cap="none" spc="0" normalizeH="0" baseline="0">
-                <a:solidFill>
-                  <a:srgbClr val="000000"/>
-                </a:solidFill>
-                <a:latin typeface="Calibri"/>
-                <a:ea typeface="맑은 고딕"/>
-                <a:cs typeface="Calibri"/>
-              </a:rPr>
-              <a:t>:SkillAr</a:t>
-            </a:r>
-            <a:endParaRPr kumimoji="0" lang="en-US" altLang="ko-KR" sz="1200" b="0" i="0" u="none" strike="noStrike" kern="1200" cap="none" spc="0" normalizeH="0" baseline="0">
-              <a:solidFill>
-                <a:srgbClr val="000000"/>
-              </a:solidFill>
-              <a:latin typeface="Calibri"/>
-              <a:ea typeface="맑은 고딕"/>
-              <a:cs typeface="Calibri"/>
-            </a:endParaRPr>
-          </a:p>
-          <a:p>
-            <a:pPr lvl="0" algn="ctr">
-              <a:spcBef>
-                <a:spcPct val="0"/>
-              </a:spcBef>
-              <a:defRPr/>
-            </a:pPr>
-            <a:endParaRPr lang="en-US" altLang="ko-KR" sz="1200">
+            <a:endParaRPr lang="en-US" altLang="ko-KR" sz="1200" dirty="0">
               <a:solidFill>
                 <a:srgbClr val="000000"/>
               </a:solidFill>
@@ -4186,7 +4051,7 @@
               <a:buNone/>
               <a:defRPr/>
             </a:pPr>
-            <a:endParaRPr kumimoji="0" lang="ko-KR" altLang="en-US" sz="1200" b="0" i="0" u="none" strike="noStrike" kern="1200" cap="none" spc="0" normalizeH="0" baseline="0">
+            <a:endParaRPr kumimoji="0" lang="ko-KR" altLang="en-US" sz="1200" b="0" i="0" u="none" strike="noStrike" kern="1200" cap="none" spc="0" normalizeH="0" baseline="0" dirty="0">
               <a:solidFill>
                 <a:srgbClr val="000000"/>
               </a:solidFill>
@@ -4251,45 +4116,7 @@
               </a:rPr>
               <a:t>마법사</a:t>
             </a:r>
-            <a:endParaRPr kumimoji="0" lang="ko-KR" altLang="en-US" sz="1200" b="0" i="0" u="none" strike="noStrike" kern="1200" cap="none" spc="0" normalizeH="0" baseline="0">
-              <a:solidFill>
-                <a:srgbClr val="000000"/>
-              </a:solidFill>
-              <a:latin typeface="Calibri"/>
-              <a:ea typeface="맑은 고딕"/>
-              <a:cs typeface="Calibri"/>
-            </a:endParaRPr>
-          </a:p>
-          <a:p>
-            <a:pPr lvl="0" algn="ctr">
-              <a:spcBef>
-                <a:spcPct val="0"/>
-              </a:spcBef>
-              <a:defRPr/>
-            </a:pPr>
-            <a:r>
-              <a:rPr lang="ko-KR" altLang="en-US" sz="1200">
-                <a:solidFill>
-                  <a:srgbClr val="000000"/>
-                </a:solidFill>
-                <a:latin typeface="Calibri"/>
-                <a:ea typeface="맑은 고딕"/>
-                <a:cs typeface="Calibri"/>
-              </a:rPr>
-              <a:t>메서드 </a:t>
-            </a:r>
-            <a:r>
-              <a:rPr lang="en-US" altLang="ko-KR" sz="1200">
-                <a:solidFill>
-                  <a:srgbClr val="000000"/>
-                </a:solidFill>
-                <a:latin typeface="Calibri"/>
-                <a:ea typeface="맑은 고딕"/>
-                <a:cs typeface="Calibri"/>
-              </a:rPr>
-              <a:t>:SkillMa</a:t>
-            </a:r>
-            <a:endParaRPr lang="en-US" altLang="ko-KR" sz="1200">
+            <a:endParaRPr lang="en-US" altLang="ko-KR" sz="1200" dirty="0">
               <a:solidFill>
                 <a:srgbClr val="000000"/>
               </a:solidFill>
@@ -4312,7 +4139,7 @@
               <a:buNone/>
               <a:defRPr/>
             </a:pPr>
-            <a:endParaRPr kumimoji="0" lang="ko-KR" altLang="en-US" sz="1200" b="0" i="0" u="none" strike="noStrike" kern="1200" cap="none" spc="0" normalizeH="0" baseline="0">
+            <a:endParaRPr kumimoji="0" lang="ko-KR" altLang="en-US" sz="1200" b="0" i="0" u="none" strike="noStrike" kern="1200" cap="none" spc="0" normalizeH="0" baseline="0" dirty="0">
               <a:solidFill>
                 <a:srgbClr val="000000"/>
               </a:solidFill>
@@ -4377,14 +4204,6 @@
               </a:rPr>
               <a:t>전투지원</a:t>
             </a:r>
-            <a:endParaRPr kumimoji="0" lang="ko-KR" altLang="en-US" sz="1300" b="0" i="0" u="none" strike="noStrike" kern="1200" cap="none" spc="0" normalizeH="0" baseline="0">
-              <a:solidFill>
-                <a:srgbClr val="000000"/>
-              </a:solidFill>
-              <a:latin typeface="맑은 고딕"/>
-              <a:ea typeface="맑은 고딕"/>
-              <a:cs typeface="Calibri"/>
-            </a:endParaRPr>
           </a:p>
         </p:txBody>
       </p:sp>
@@ -4442,14 +4261,6 @@
               </a:rPr>
               <a:t>무기판매</a:t>
             </a:r>
-            <a:endParaRPr kumimoji="0" lang="ko-KR" altLang="en-US" sz="1300" b="0" i="0" u="none" strike="noStrike" kern="1200" cap="none" spc="0" normalizeH="0" baseline="0">
-              <a:solidFill>
-                <a:srgbClr val="000000"/>
-              </a:solidFill>
-              <a:latin typeface="맑은 고딕"/>
-              <a:ea typeface="맑은 고딕"/>
-              <a:cs typeface="Calibri"/>
-            </a:endParaRPr>
           </a:p>
           <a:p>
             <a:pPr marL="0" lvl="0" indent="0" algn="ctr" defTabSz="914400" rtl="0" eaLnBrk="1" latinLnBrk="1" hangingPunct="1">
@@ -4552,14 +4363,6 @@
               </a:rPr>
               <a:t>길잡이</a:t>
             </a:r>
-            <a:endParaRPr kumimoji="0" lang="ko-KR" altLang="en-US" sz="1300" b="0" i="0" u="none" strike="noStrike" kern="1200" cap="none" spc="0" normalizeH="0" baseline="0">
-              <a:solidFill>
-                <a:srgbClr val="000000"/>
-              </a:solidFill>
-              <a:latin typeface="맑은 고딕"/>
-              <a:ea typeface="맑은 고딕"/>
-              <a:cs typeface="Calibri"/>
-            </a:endParaRPr>
           </a:p>
           <a:p>
             <a:pPr marL="0" lvl="0" indent="0" algn="ctr" defTabSz="914400" rtl="0" eaLnBrk="1" latinLnBrk="1" hangingPunct="1">
@@ -4597,14 +4400,6 @@
               </a:rPr>
               <a:t>:</a:t>
             </a:r>
-            <a:endParaRPr kumimoji="0" lang="en-US" altLang="ko-KR" sz="1300" b="0" i="0" u="none" strike="noStrike" kern="1200" cap="none" spc="0" normalizeH="0" baseline="0">
-              <a:solidFill>
-                <a:srgbClr val="000000"/>
-              </a:solidFill>
-              <a:latin typeface="맑은 고딕"/>
-              <a:ea typeface="맑은 고딕"/>
-              <a:cs typeface="Calibri"/>
-            </a:endParaRPr>
           </a:p>
           <a:p>
             <a:pPr marL="0" lvl="0" indent="0" algn="ctr" defTabSz="914400" rtl="0" eaLnBrk="1" latinLnBrk="1" hangingPunct="1">
@@ -4696,14 +4491,6 @@
               </a:rPr>
               <a:t>상급</a:t>
             </a:r>
-            <a:endParaRPr kumimoji="0" lang="ko-KR" altLang="en-US" sz="1500" b="0" i="0" u="none" strike="noStrike" kern="1200" cap="none" spc="0" normalizeH="0" baseline="0">
-              <a:solidFill>
-                <a:srgbClr val="000000"/>
-              </a:solidFill>
-              <a:latin typeface="Calibri"/>
-              <a:ea typeface="맑은 고딕"/>
-              <a:cs typeface="Calibri"/>
-            </a:endParaRPr>
           </a:p>
         </p:txBody>
       </p:sp>
@@ -4761,14 +4548,6 @@
               </a:rPr>
               <a:t>중급</a:t>
             </a:r>
-            <a:endParaRPr kumimoji="0" lang="ko-KR" altLang="en-US" sz="1500" b="0" i="0" u="none" strike="noStrike" kern="1200" cap="none" spc="0" normalizeH="0" baseline="0">
-              <a:solidFill>
-                <a:srgbClr val="000000"/>
-              </a:solidFill>
-              <a:latin typeface="Calibri"/>
-              <a:ea typeface="맑은 고딕"/>
-              <a:cs typeface="Calibri"/>
-            </a:endParaRPr>
           </a:p>
         </p:txBody>
       </p:sp>
@@ -4826,14 +4605,6 @@
               </a:rPr>
               <a:t>하급</a:t>
             </a:r>
-            <a:endParaRPr kumimoji="0" lang="ko-KR" altLang="en-US" sz="1500" b="0" i="0" u="none" strike="noStrike" kern="1200" cap="none" spc="0" normalizeH="0" baseline="0">
-              <a:solidFill>
-                <a:srgbClr val="000000"/>
-              </a:solidFill>
-              <a:latin typeface="Calibri"/>
-              <a:ea typeface="맑은 고딕"/>
-              <a:cs typeface="Calibri"/>
-            </a:endParaRPr>
           </a:p>
         </p:txBody>
       </p:sp>
@@ -4891,14 +4662,6 @@
               </a:rPr>
               <a:t>검류</a:t>
             </a:r>
-            <a:endParaRPr kumimoji="0" lang="ko-KR" altLang="en-US" sz="1500" b="0" i="0" u="none" strike="noStrike" kern="1200" cap="none" spc="0" normalizeH="0" baseline="0">
-              <a:solidFill>
-                <a:srgbClr val="000000"/>
-              </a:solidFill>
-              <a:latin typeface="Calibri"/>
-              <a:ea typeface="맑은 고딕"/>
-              <a:cs typeface="Calibri"/>
-            </a:endParaRPr>
           </a:p>
         </p:txBody>
       </p:sp>
@@ -4956,14 +4719,6 @@
               </a:rPr>
               <a:t>활류</a:t>
             </a:r>
-            <a:endParaRPr kumimoji="0" lang="ko-KR" altLang="en-US" sz="1500" b="0" i="0" u="none" strike="noStrike" kern="1200" cap="none" spc="0" normalizeH="0" baseline="0">
-              <a:solidFill>
-                <a:srgbClr val="000000"/>
-              </a:solidFill>
-              <a:latin typeface="Calibri"/>
-              <a:ea typeface="맑은 고딕"/>
-              <a:cs typeface="Calibri"/>
-            </a:endParaRPr>
           </a:p>
         </p:txBody>
       </p:sp>
@@ -5021,14 +4776,6 @@
               </a:rPr>
               <a:t>봉류</a:t>
             </a:r>
-            <a:endParaRPr kumimoji="0" lang="ko-KR" altLang="en-US" sz="1500" b="0" i="0" u="none" strike="noStrike" kern="1200" cap="none" spc="0" normalizeH="0" baseline="0">
-              <a:solidFill>
-                <a:srgbClr val="000000"/>
-              </a:solidFill>
-              <a:latin typeface="Calibri"/>
-              <a:ea typeface="맑은 고딕"/>
-              <a:cs typeface="Calibri"/>
-            </a:endParaRPr>
           </a:p>
         </p:txBody>
       </p:sp>
@@ -5449,14 +5196,6 @@
               </a:rPr>
               <a:t>인터페이스</a:t>
             </a:r>
-            <a:endParaRPr lang="ko-KR" altLang="en-US" sz="1500">
-              <a:solidFill>
-                <a:srgbClr val="000000"/>
-              </a:solidFill>
-              <a:latin typeface="Calibri"/>
-              <a:ea typeface="맑은 고딕"/>
-              <a:cs typeface="Calibri"/>
-            </a:endParaRPr>
           </a:p>
           <a:p>
             <a:pPr marL="0" lvl="0" indent="0" algn="ctr" defTabSz="914400" rtl="0" eaLnBrk="1" latinLnBrk="1" hangingPunct="1">
@@ -5483,14 +5222,6 @@
               </a:rPr>
               <a:t>공격</a:t>
             </a:r>
-            <a:endParaRPr lang="ko-KR" altLang="en-US" sz="1500">
-              <a:solidFill>
-                <a:srgbClr val="000000"/>
-              </a:solidFill>
-              <a:latin typeface="Calibri"/>
-              <a:ea typeface="맑은 고딕"/>
-              <a:cs typeface="Calibri"/>
-            </a:endParaRPr>
           </a:p>
           <a:p>
             <a:pPr marL="0" lvl="0" indent="0" algn="ctr" defTabSz="914400" rtl="0" eaLnBrk="1" latinLnBrk="1" hangingPunct="1">
@@ -5768,14 +5499,6 @@
               </a:rPr>
               <a:t>소검</a:t>
             </a:r>
-            <a:endParaRPr kumimoji="0" lang="ko-KR" altLang="en-US" sz="1500" b="0" u="none" strike="noStrike" kern="1200" cap="none" spc="0" normalizeH="0" baseline="0">
-              <a:solidFill>
-                <a:srgbClr val="000000"/>
-              </a:solidFill>
-              <a:latin typeface="Calibri"/>
-              <a:ea typeface="맑은 고딕"/>
-              <a:cs typeface="Calibri"/>
-            </a:endParaRPr>
           </a:p>
           <a:p>
             <a:pPr marL="0" lvl="0" indent="0" algn="ctr" defTabSz="914400" rtl="0" eaLnBrk="1" latinLnBrk="1" hangingPunct="1">
@@ -5856,14 +5579,6 @@
               </a:rPr>
               <a:t>둔기</a:t>
             </a:r>
-            <a:endParaRPr kumimoji="0" lang="ko-KR" altLang="en-US" sz="1500" b="0" i="0" u="none" strike="noStrike" kern="1200" cap="none" spc="0" normalizeH="0" baseline="0">
-              <a:solidFill>
-                <a:srgbClr val="000000"/>
-              </a:solidFill>
-              <a:latin typeface="Calibri"/>
-              <a:ea typeface="맑은 고딕"/>
-              <a:cs typeface="Calibri"/>
-            </a:endParaRPr>
           </a:p>
           <a:p>
             <a:pPr marL="0" lvl="0" indent="0" algn="ctr" defTabSz="914400" rtl="0" eaLnBrk="1" latinLnBrk="1" hangingPunct="1">
@@ -6009,14 +5724,6 @@
               </a:rPr>
               <a:t>활</a:t>
             </a:r>
-            <a:endParaRPr kumimoji="0" lang="ko-KR" altLang="en-US" sz="1500" b="0" i="0" u="none" strike="noStrike" kern="1200" cap="none" spc="0" normalizeH="0" baseline="0">
-              <a:solidFill>
-                <a:srgbClr val="000000"/>
-              </a:solidFill>
-              <a:latin typeface="Calibri"/>
-              <a:ea typeface="맑은 고딕"/>
-              <a:cs typeface="Calibri"/>
-            </a:endParaRPr>
           </a:p>
           <a:p>
             <a:pPr marL="0" lvl="0" indent="0" algn="ctr" defTabSz="914400" rtl="0" eaLnBrk="1" latinLnBrk="1" hangingPunct="1">
@@ -6502,14 +6209,6 @@
               </a:rPr>
               <a:t>item</a:t>
             </a:r>
-            <a:endParaRPr lang="en-US" altLang="ko-KR" sz="1300">
-              <a:solidFill>
-                <a:srgbClr val="000000"/>
-              </a:solidFill>
-              <a:latin typeface="맑은 고딕"/>
-              <a:ea typeface="맑은 고딕"/>
-              <a:cs typeface="Calibri"/>
-            </a:endParaRPr>
           </a:p>
           <a:p>
             <a:pPr marL="0" lvl="0" indent="0" algn="ctr" defTabSz="914400" rtl="0" eaLnBrk="1" latinLnBrk="1" hangingPunct="1">
@@ -6547,14 +6246,6 @@
               </a:rPr>
               <a:t>:price, weaponatk</a:t>
             </a:r>
-            <a:endParaRPr lang="en-US" altLang="ko-KR" sz="1300">
-              <a:solidFill>
-                <a:srgbClr val="000000"/>
-              </a:solidFill>
-              <a:latin typeface="맑은 고딕"/>
-              <a:ea typeface="맑은 고딕"/>
-              <a:cs typeface="Calibri"/>
-            </a:endParaRPr>
           </a:p>
         </p:txBody>
       </p:sp>
@@ -6718,6 +6409,7 @@
           <a:bodyPr vert="horz" lIns="91440" tIns="45720" rIns="91440" bIns="45720" anchor="ctr">
             <a:normAutofit/>
           </a:bodyPr>
+          <a:lstStyle/>
           <a:p>
             <a:pPr marL="0" lvl="0" indent="0" algn="ctr" defTabSz="914400" rtl="0" eaLnBrk="1" latinLnBrk="1" hangingPunct="1">
               <a:lnSpc>
@@ -6733,7 +6425,7 @@
               <a:defRPr/>
             </a:pPr>
             <a:r>
-              <a:rPr xmlns:mc="http://schemas.openxmlformats.org/markup-compatibility/2006" xmlns:hp="http://schemas.haansoft.com/office/presentation/8.0" kumimoji="0" lang="ko-KR" altLang="en-US" sz="1300" b="0" i="0" u="none" strike="noStrike" kern="1200" cap="none" spc="0" normalizeH="0" baseline="0" mc:Ignorable="hp" hp:hslEmbossed="0">
+              <a:rPr kumimoji="0" lang="ko-KR" altLang="en-US" sz="1300" b="0" i="0" u="none" strike="noStrike" kern="1200" cap="none" spc="0" normalizeH="0" baseline="0">
                 <a:solidFill>
                   <a:srgbClr val="000000"/>
                 </a:solidFill>
@@ -6743,14 +6435,6 @@
               </a:rPr>
               <a:t>기계족</a:t>
             </a:r>
-            <a:endParaRPr xmlns:mc="http://schemas.openxmlformats.org/markup-compatibility/2006" xmlns:hp="http://schemas.haansoft.com/office/presentation/8.0" kumimoji="0" lang="ko-KR" altLang="en-US" sz="1300" b="0" i="0" u="none" strike="noStrike" kern="1200" cap="none" spc="0" normalizeH="0" baseline="0" mc:Ignorable="hp" hp:hslEmbossed="0">
-              <a:solidFill>
-                <a:srgbClr val="000000"/>
-              </a:solidFill>
-              <a:latin typeface="맑은 고딕"/>
-              <a:ea typeface="맑은 고딕"/>
-              <a:cs typeface="Calibri"/>
-            </a:endParaRPr>
           </a:p>
         </p:txBody>
       </p:sp>
@@ -6782,6 +6466,7 @@
           <a:bodyPr vert="horz" lIns="91440" tIns="45720" rIns="91440" bIns="45720" anchor="ctr">
             <a:normAutofit/>
           </a:bodyPr>
+          <a:lstStyle/>
           <a:p>
             <a:pPr marL="0" lvl="0" indent="0" algn="ctr" defTabSz="914400" rtl="0" eaLnBrk="1" latinLnBrk="1" hangingPunct="1">
               <a:lnSpc>
@@ -6797,7 +6482,7 @@
               <a:defRPr/>
             </a:pPr>
             <a:r>
-              <a:rPr xmlns:mc="http://schemas.openxmlformats.org/markup-compatibility/2006" xmlns:hp="http://schemas.haansoft.com/office/presentation/8.0" kumimoji="0" lang="ko-KR" altLang="en-US" sz="1300" b="0" i="0" u="none" strike="noStrike" kern="1200" cap="none" spc="0" normalizeH="0" baseline="0" mc:Ignorable="hp" hp:hslEmbossed="0">
+              <a:rPr kumimoji="0" lang="ko-KR" altLang="en-US" sz="1300" b="0" i="0" u="none" strike="noStrike" kern="1200" cap="none" spc="0" normalizeH="0" baseline="0">
                 <a:solidFill>
                   <a:srgbClr val="000000"/>
                 </a:solidFill>
@@ -6807,14 +6492,6 @@
               </a:rPr>
               <a:t>악마족</a:t>
             </a:r>
-            <a:endParaRPr xmlns:mc="http://schemas.openxmlformats.org/markup-compatibility/2006" xmlns:hp="http://schemas.haansoft.com/office/presentation/8.0" kumimoji="0" lang="ko-KR" altLang="en-US" sz="1300" b="0" i="0" u="none" strike="noStrike" kern="1200" cap="none" spc="0" normalizeH="0" baseline="0" mc:Ignorable="hp" hp:hslEmbossed="0">
-              <a:solidFill>
-                <a:srgbClr val="000000"/>
-              </a:solidFill>
-              <a:latin typeface="맑은 고딕"/>
-              <a:ea typeface="맑은 고딕"/>
-              <a:cs typeface="Calibri"/>
-            </a:endParaRPr>
           </a:p>
         </p:txBody>
       </p:sp>
@@ -6846,6 +6523,7 @@
           <a:bodyPr vert="horz" lIns="91440" tIns="45720" rIns="91440" bIns="45720" anchor="ctr">
             <a:normAutofit/>
           </a:bodyPr>
+          <a:lstStyle/>
           <a:p>
             <a:pPr marL="0" lvl="0" indent="0" algn="ctr" defTabSz="914400" rtl="0" eaLnBrk="1" latinLnBrk="1" hangingPunct="1">
               <a:lnSpc>
@@ -6861,7 +6539,7 @@
               <a:defRPr/>
             </a:pPr>
             <a:r>
-              <a:rPr xmlns:mc="http://schemas.openxmlformats.org/markup-compatibility/2006" xmlns:hp="http://schemas.haansoft.com/office/presentation/8.0" kumimoji="0" lang="ko-KR" altLang="en-US" sz="1300" b="0" i="0" u="none" strike="noStrike" kern="1200" cap="none" spc="0" normalizeH="0" baseline="0" mc:Ignorable="hp" hp:hslEmbossed="0">
+              <a:rPr kumimoji="0" lang="ko-KR" altLang="en-US" sz="1300" b="0" i="0" u="none" strike="noStrike" kern="1200" cap="none" spc="0" normalizeH="0" baseline="0">
                 <a:solidFill>
                   <a:srgbClr val="000000"/>
                 </a:solidFill>
@@ -6871,14 +6549,6 @@
               </a:rPr>
               <a:t>용족</a:t>
             </a:r>
-            <a:endParaRPr xmlns:mc="http://schemas.openxmlformats.org/markup-compatibility/2006" xmlns:hp="http://schemas.haansoft.com/office/presentation/8.0" kumimoji="0" lang="ko-KR" altLang="en-US" sz="1300" b="0" i="0" u="none" strike="noStrike" kern="1200" cap="none" spc="0" normalizeH="0" baseline="0" mc:Ignorable="hp" hp:hslEmbossed="0">
-              <a:solidFill>
-                <a:srgbClr val="000000"/>
-              </a:solidFill>
-              <a:latin typeface="맑은 고딕"/>
-              <a:ea typeface="맑은 고딕"/>
-              <a:cs typeface="Calibri"/>
-            </a:endParaRPr>
           </a:p>
         </p:txBody>
       </p:sp>
@@ -7009,6 +6679,7 @@
           <a:bodyPr vert="horz" lIns="91440" tIns="45720" rIns="91440" bIns="45720" anchor="ctr">
             <a:normAutofit/>
           </a:bodyPr>
+          <a:lstStyle/>
           <a:p>
             <a:pPr marL="0" lvl="0" indent="0" algn="ctr" defTabSz="914400" rtl="0" eaLnBrk="1" latinLnBrk="1" hangingPunct="1">
               <a:lnSpc>
@@ -7024,7 +6695,7 @@
               <a:defRPr/>
             </a:pPr>
             <a:r>
-              <a:rPr xmlns:mc="http://schemas.openxmlformats.org/markup-compatibility/2006" xmlns:hp="http://schemas.haansoft.com/office/presentation/8.0" kumimoji="0" lang="ko-KR" altLang="en-US" sz="1500" b="0" i="0" u="none" strike="noStrike" kern="1200" cap="none" spc="0" normalizeH="0" baseline="0" mc:Ignorable="hp" hp:hslEmbossed="0">
+              <a:rPr kumimoji="0" lang="ko-KR" altLang="en-US" sz="1500" b="0" i="0" u="none" strike="noStrike" kern="1200" cap="none" spc="0" normalizeH="0" baseline="0">
                 <a:solidFill>
                   <a:srgbClr val="000000"/>
                 </a:solidFill>
@@ -7034,14 +6705,6 @@
               </a:rPr>
               <a:t>악마보스</a:t>
             </a:r>
-            <a:endParaRPr xmlns:mc="http://schemas.openxmlformats.org/markup-compatibility/2006" xmlns:hp="http://schemas.haansoft.com/office/presentation/8.0" kumimoji="0" lang="ko-KR" altLang="en-US" sz="1500" b="0" i="0" u="none" strike="noStrike" kern="1200" cap="none" spc="0" normalizeH="0" baseline="0" mc:Ignorable="hp" hp:hslEmbossed="0">
-              <a:solidFill>
-                <a:srgbClr val="000000"/>
-              </a:solidFill>
-              <a:latin typeface="Calibri"/>
-              <a:ea typeface="맑은 고딕"/>
-              <a:cs typeface="Calibri"/>
-            </a:endParaRPr>
           </a:p>
         </p:txBody>
       </p:sp>
@@ -7073,6 +6736,7 @@
           <a:bodyPr vert="horz" lIns="91440" tIns="45720" rIns="91440" bIns="45720" anchor="ctr">
             <a:normAutofit/>
           </a:bodyPr>
+          <a:lstStyle/>
           <a:p>
             <a:pPr marL="0" lvl="0" indent="0" algn="ctr" defTabSz="914400" rtl="0" eaLnBrk="1" latinLnBrk="1" hangingPunct="1">
               <a:lnSpc>
@@ -7088,7 +6752,7 @@
               <a:defRPr/>
             </a:pPr>
             <a:r>
-              <a:rPr xmlns:mc="http://schemas.openxmlformats.org/markup-compatibility/2006" xmlns:hp="http://schemas.haansoft.com/office/presentation/8.0" kumimoji="0" lang="ko-KR" altLang="en-US" sz="1500" b="0" i="0" u="none" strike="noStrike" kern="1200" cap="none" spc="0" normalizeH="0" baseline="0" mc:Ignorable="hp" hp:hslEmbossed="0">
+              <a:rPr kumimoji="0" lang="ko-KR" altLang="en-US" sz="1500" b="0" i="0" u="none" strike="noStrike" kern="1200" cap="none" spc="0" normalizeH="0" baseline="0">
                 <a:solidFill>
                   <a:srgbClr val="000000"/>
                 </a:solidFill>
@@ -7099,7 +6763,7 @@
               <a:t>악마일반</a:t>
             </a:r>
             <a:r>
-              <a:rPr xmlns:mc="http://schemas.openxmlformats.org/markup-compatibility/2006" xmlns:hp="http://schemas.haansoft.com/office/presentation/8.0" kumimoji="0" lang="en-US" altLang="ko-KR" sz="1500" b="0" i="0" u="none" strike="noStrike" kern="1200" cap="none" spc="0" normalizeH="0" baseline="0" mc:Ignorable="hp" hp:hslEmbossed="0">
+              <a:rPr kumimoji="0" lang="en-US" altLang="ko-KR" sz="1500" b="0" i="0" u="none" strike="noStrike" kern="1200" cap="none" spc="0" normalizeH="0" baseline="0">
                 <a:solidFill>
                   <a:srgbClr val="000000"/>
                 </a:solidFill>
@@ -7109,14 +6773,6 @@
               </a:rPr>
               <a:t>2</a:t>
             </a:r>
-            <a:endParaRPr xmlns:mc="http://schemas.openxmlformats.org/markup-compatibility/2006" xmlns:hp="http://schemas.haansoft.com/office/presentation/8.0" kumimoji="0" lang="en-US" altLang="ko-KR" sz="1500" b="0" i="0" u="none" strike="noStrike" kern="1200" cap="none" spc="0" normalizeH="0" baseline="0" mc:Ignorable="hp" hp:hslEmbossed="0">
-              <a:solidFill>
-                <a:srgbClr val="000000"/>
-              </a:solidFill>
-              <a:latin typeface="Calibri"/>
-              <a:ea typeface="맑은 고딕"/>
-              <a:cs typeface="Calibri"/>
-            </a:endParaRPr>
           </a:p>
         </p:txBody>
       </p:sp>
@@ -7148,6 +6804,7 @@
           <a:bodyPr vert="horz" lIns="91440" tIns="45720" rIns="91440" bIns="45720" anchor="ctr">
             <a:normAutofit/>
           </a:bodyPr>
+          <a:lstStyle/>
           <a:p>
             <a:pPr marL="0" lvl="0" indent="0" algn="ctr" defTabSz="914400" rtl="0" eaLnBrk="1" latinLnBrk="1" hangingPunct="1">
               <a:lnSpc>
@@ -7163,7 +6820,7 @@
               <a:defRPr/>
             </a:pPr>
             <a:r>
-              <a:rPr xmlns:mc="http://schemas.openxmlformats.org/markup-compatibility/2006" xmlns:hp="http://schemas.haansoft.com/office/presentation/8.0" kumimoji="0" lang="ko-KR" altLang="en-US" sz="1500" b="0" i="0" u="none" strike="noStrike" kern="1200" cap="none" spc="0" normalizeH="0" baseline="0" mc:Ignorable="hp" hp:hslEmbossed="0">
+              <a:rPr kumimoji="0" lang="ko-KR" altLang="en-US" sz="1500" b="0" i="0" u="none" strike="noStrike" kern="1200" cap="none" spc="0" normalizeH="0" baseline="0">
                 <a:solidFill>
                   <a:srgbClr val="000000"/>
                 </a:solidFill>
@@ -7174,7 +6831,7 @@
               <a:t>악마일반</a:t>
             </a:r>
             <a:r>
-              <a:rPr xmlns:mc="http://schemas.openxmlformats.org/markup-compatibility/2006" xmlns:hp="http://schemas.haansoft.com/office/presentation/8.0" kumimoji="0" lang="en-US" altLang="ko-KR" sz="1500" b="0" i="0" u="none" strike="noStrike" kern="1200" cap="none" spc="0" normalizeH="0" baseline="0" mc:Ignorable="hp" hp:hslEmbossed="0">
+              <a:rPr kumimoji="0" lang="en-US" altLang="ko-KR" sz="1500" b="0" i="0" u="none" strike="noStrike" kern="1200" cap="none" spc="0" normalizeH="0" baseline="0">
                 <a:solidFill>
                   <a:srgbClr val="000000"/>
                 </a:solidFill>
@@ -7184,14 +6841,6 @@
               </a:rPr>
               <a:t>1</a:t>
             </a:r>
-            <a:endParaRPr xmlns:mc="http://schemas.openxmlformats.org/markup-compatibility/2006" xmlns:hp="http://schemas.haansoft.com/office/presentation/8.0" kumimoji="0" lang="en-US" altLang="ko-KR" sz="1500" b="0" i="0" u="none" strike="noStrike" kern="1200" cap="none" spc="0" normalizeH="0" baseline="0" mc:Ignorable="hp" hp:hslEmbossed="0">
-              <a:solidFill>
-                <a:srgbClr val="000000"/>
-              </a:solidFill>
-              <a:latin typeface="Calibri"/>
-              <a:ea typeface="맑은 고딕"/>
-              <a:cs typeface="Calibri"/>
-            </a:endParaRPr>
           </a:p>
         </p:txBody>
       </p:sp>
@@ -7223,6 +6872,7 @@
           <a:bodyPr vert="horz" lIns="91440" tIns="45720" rIns="91440" bIns="45720" anchor="ctr">
             <a:normAutofit/>
           </a:bodyPr>
+          <a:lstStyle/>
           <a:p>
             <a:pPr marL="0" lvl="0" indent="0" algn="ctr" defTabSz="914400" rtl="0" eaLnBrk="1" latinLnBrk="1" hangingPunct="1">
               <a:lnSpc>
@@ -7238,7 +6888,7 @@
               <a:defRPr/>
             </a:pPr>
             <a:r>
-              <a:rPr xmlns:mc="http://schemas.openxmlformats.org/markup-compatibility/2006" xmlns:hp="http://schemas.haansoft.com/office/presentation/8.0" kumimoji="0" lang="ko-KR" altLang="en-US" sz="1500" b="0" i="0" u="none" strike="noStrike" kern="1200" cap="none" spc="0" normalizeH="0" baseline="0" mc:Ignorable="hp" hp:hslEmbossed="0">
+              <a:rPr kumimoji="0" lang="ko-KR" altLang="en-US" sz="1500" b="0" i="0" u="none" strike="noStrike" kern="1200" cap="none" spc="0" normalizeH="0" baseline="0">
                 <a:solidFill>
                   <a:srgbClr val="000000"/>
                 </a:solidFill>
@@ -7248,14 +6898,6 @@
               </a:rPr>
               <a:t>용보스</a:t>
             </a:r>
-            <a:endParaRPr xmlns:mc="http://schemas.openxmlformats.org/markup-compatibility/2006" xmlns:hp="http://schemas.haansoft.com/office/presentation/8.0" kumimoji="0" lang="ko-KR" altLang="en-US" sz="1500" b="0" i="0" u="none" strike="noStrike" kern="1200" cap="none" spc="0" normalizeH="0" baseline="0" mc:Ignorable="hp" hp:hslEmbossed="0">
-              <a:solidFill>
-                <a:srgbClr val="000000"/>
-              </a:solidFill>
-              <a:latin typeface="Calibri"/>
-              <a:ea typeface="맑은 고딕"/>
-              <a:cs typeface="Calibri"/>
-            </a:endParaRPr>
           </a:p>
         </p:txBody>
       </p:sp>
@@ -7287,6 +6929,7 @@
           <a:bodyPr vert="horz" lIns="91440" tIns="45720" rIns="91440" bIns="45720" anchor="ctr">
             <a:normAutofit/>
           </a:bodyPr>
+          <a:lstStyle/>
           <a:p>
             <a:pPr marL="0" lvl="0" indent="0" algn="ctr" defTabSz="914400" rtl="0" eaLnBrk="1" latinLnBrk="1" hangingPunct="1">
               <a:lnSpc>
@@ -7302,7 +6945,7 @@
               <a:defRPr/>
             </a:pPr>
             <a:r>
-              <a:rPr xmlns:mc="http://schemas.openxmlformats.org/markup-compatibility/2006" xmlns:hp="http://schemas.haansoft.com/office/presentation/8.0" kumimoji="0" lang="ko-KR" altLang="en-US" sz="1500" b="0" i="0" u="none" strike="noStrike" kern="1200" cap="none" spc="0" normalizeH="0" baseline="0" mc:Ignorable="hp" hp:hslEmbossed="0">
+              <a:rPr kumimoji="0" lang="ko-KR" altLang="en-US" sz="1500" b="0" i="0" u="none" strike="noStrike" kern="1200" cap="none" spc="0" normalizeH="0" baseline="0">
                 <a:solidFill>
                   <a:srgbClr val="000000"/>
                 </a:solidFill>
@@ -7313,7 +6956,7 @@
               <a:t>용일반</a:t>
             </a:r>
             <a:r>
-              <a:rPr xmlns:mc="http://schemas.openxmlformats.org/markup-compatibility/2006" xmlns:hp="http://schemas.haansoft.com/office/presentation/8.0" kumimoji="0" lang="en-US" altLang="ko-KR" sz="1500" b="0" i="0" u="none" strike="noStrike" kern="1200" cap="none" spc="0" normalizeH="0" baseline="0" mc:Ignorable="hp" hp:hslEmbossed="0">
+              <a:rPr kumimoji="0" lang="en-US" altLang="ko-KR" sz="1500" b="0" i="0" u="none" strike="noStrike" kern="1200" cap="none" spc="0" normalizeH="0" baseline="0">
                 <a:solidFill>
                   <a:srgbClr val="000000"/>
                 </a:solidFill>
@@ -7323,14 +6966,6 @@
               </a:rPr>
               <a:t>2</a:t>
             </a:r>
-            <a:endParaRPr xmlns:mc="http://schemas.openxmlformats.org/markup-compatibility/2006" xmlns:hp="http://schemas.haansoft.com/office/presentation/8.0" kumimoji="0" lang="en-US" altLang="ko-KR" sz="1500" b="0" i="0" u="none" strike="noStrike" kern="1200" cap="none" spc="0" normalizeH="0" baseline="0" mc:Ignorable="hp" hp:hslEmbossed="0">
-              <a:solidFill>
-                <a:srgbClr val="000000"/>
-              </a:solidFill>
-              <a:latin typeface="Calibri"/>
-              <a:ea typeface="맑은 고딕"/>
-              <a:cs typeface="Calibri"/>
-            </a:endParaRPr>
           </a:p>
         </p:txBody>
       </p:sp>
@@ -7362,6 +6997,7 @@
           <a:bodyPr vert="horz" lIns="91440" tIns="45720" rIns="91440" bIns="45720" anchor="ctr">
             <a:normAutofit/>
           </a:bodyPr>
+          <a:lstStyle/>
           <a:p>
             <a:pPr marL="0" lvl="0" indent="0" algn="ctr" defTabSz="914400" rtl="0" eaLnBrk="1" latinLnBrk="1" hangingPunct="1">
               <a:lnSpc>
@@ -7377,7 +7013,7 @@
               <a:defRPr/>
             </a:pPr>
             <a:r>
-              <a:rPr xmlns:mc="http://schemas.openxmlformats.org/markup-compatibility/2006" xmlns:hp="http://schemas.haansoft.com/office/presentation/8.0" kumimoji="0" lang="ko-KR" altLang="en-US" sz="1500" b="0" i="0" u="none" strike="noStrike" kern="1200" cap="none" spc="0" normalizeH="0" baseline="0" mc:Ignorable="hp" hp:hslEmbossed="0">
+              <a:rPr kumimoji="0" lang="ko-KR" altLang="en-US" sz="1500" b="0" i="0" u="none" strike="noStrike" kern="1200" cap="none" spc="0" normalizeH="0" baseline="0">
                 <a:solidFill>
                   <a:srgbClr val="000000"/>
                 </a:solidFill>
@@ -7388,7 +7024,7 @@
               <a:t>용일반</a:t>
             </a:r>
             <a:r>
-              <a:rPr xmlns:mc="http://schemas.openxmlformats.org/markup-compatibility/2006" xmlns:hp="http://schemas.haansoft.com/office/presentation/8.0" kumimoji="0" lang="en-US" altLang="ko-KR" sz="1500" b="0" i="0" u="none" strike="noStrike" kern="1200" cap="none" spc="0" normalizeH="0" baseline="0" mc:Ignorable="hp" hp:hslEmbossed="0">
+              <a:rPr kumimoji="0" lang="en-US" altLang="ko-KR" sz="1500" b="0" i="0" u="none" strike="noStrike" kern="1200" cap="none" spc="0" normalizeH="0" baseline="0">
                 <a:solidFill>
                   <a:srgbClr val="000000"/>
                 </a:solidFill>
@@ -7398,14 +7034,6 @@
               </a:rPr>
               <a:t>1</a:t>
             </a:r>
-            <a:endParaRPr xmlns:mc="http://schemas.openxmlformats.org/markup-compatibility/2006" xmlns:hp="http://schemas.haansoft.com/office/presentation/8.0" kumimoji="0" lang="en-US" altLang="ko-KR" sz="1500" b="0" i="0" u="none" strike="noStrike" kern="1200" cap="none" spc="0" normalizeH="0" baseline="0" mc:Ignorable="hp" hp:hslEmbossed="0">
-              <a:solidFill>
-                <a:srgbClr val="000000"/>
-              </a:solidFill>
-              <a:latin typeface="Calibri"/>
-              <a:ea typeface="맑은 고딕"/>
-              <a:cs typeface="Calibri"/>
-            </a:endParaRPr>
           </a:p>
         </p:txBody>
       </p:sp>
@@ -7437,6 +7065,7 @@
           <a:bodyPr vert="horz" lIns="91440" tIns="45720" rIns="91440" bIns="45720" anchor="ctr">
             <a:normAutofit/>
           </a:bodyPr>
+          <a:lstStyle/>
           <a:p>
             <a:pPr marL="0" lvl="0" indent="0" algn="ctr" defTabSz="914400" rtl="0" eaLnBrk="1" latinLnBrk="1" hangingPunct="1">
               <a:lnSpc>
@@ -7452,7 +7081,7 @@
               <a:defRPr/>
             </a:pPr>
             <a:r>
-              <a:rPr xmlns:mc="http://schemas.openxmlformats.org/markup-compatibility/2006" xmlns:hp="http://schemas.haansoft.com/office/presentation/8.0" kumimoji="0" lang="ko-KR" altLang="en-US" sz="1500" b="0" i="0" u="none" strike="noStrike" kern="1200" cap="none" spc="0" normalizeH="0" baseline="0" mc:Ignorable="hp" hp:hslEmbossed="0">
+              <a:rPr kumimoji="0" lang="ko-KR" altLang="en-US" sz="1500" b="0" i="0" u="none" strike="noStrike" kern="1200" cap="none" spc="0" normalizeH="0" baseline="0">
                 <a:solidFill>
                   <a:srgbClr val="000000"/>
                 </a:solidFill>
@@ -7462,14 +7091,6 @@
               </a:rPr>
               <a:t>기계보스</a:t>
             </a:r>
-            <a:endParaRPr xmlns:mc="http://schemas.openxmlformats.org/markup-compatibility/2006" xmlns:hp="http://schemas.haansoft.com/office/presentation/8.0" kumimoji="0" lang="ko-KR" altLang="en-US" sz="1500" b="0" i="0" u="none" strike="noStrike" kern="1200" cap="none" spc="0" normalizeH="0" baseline="0" mc:Ignorable="hp" hp:hslEmbossed="0">
-              <a:solidFill>
-                <a:srgbClr val="000000"/>
-              </a:solidFill>
-              <a:latin typeface="Calibri"/>
-              <a:ea typeface="맑은 고딕"/>
-              <a:cs typeface="Calibri"/>
-            </a:endParaRPr>
           </a:p>
         </p:txBody>
       </p:sp>
@@ -7501,6 +7122,7 @@
           <a:bodyPr vert="horz" lIns="91440" tIns="45720" rIns="91440" bIns="45720" anchor="ctr">
             <a:normAutofit/>
           </a:bodyPr>
+          <a:lstStyle/>
           <a:p>
             <a:pPr marL="0" lvl="0" indent="0" algn="ctr" defTabSz="914400" rtl="0" eaLnBrk="1" latinLnBrk="1" hangingPunct="1">
               <a:lnSpc>
@@ -7516,7 +7138,7 @@
               <a:defRPr/>
             </a:pPr>
             <a:r>
-              <a:rPr xmlns:mc="http://schemas.openxmlformats.org/markup-compatibility/2006" xmlns:hp="http://schemas.haansoft.com/office/presentation/8.0" kumimoji="0" lang="ko-KR" altLang="en-US" sz="1500" b="0" i="0" u="none" strike="noStrike" kern="1200" cap="none" spc="0" normalizeH="0" baseline="0" mc:Ignorable="hp" hp:hslEmbossed="0">
+              <a:rPr kumimoji="0" lang="ko-KR" altLang="en-US" sz="1500" b="0" i="0" u="none" strike="noStrike" kern="1200" cap="none" spc="0" normalizeH="0" baseline="0">
                 <a:solidFill>
                   <a:srgbClr val="000000"/>
                 </a:solidFill>
@@ -7527,7 +7149,7 @@
               <a:t>기계일반</a:t>
             </a:r>
             <a:r>
-              <a:rPr xmlns:mc="http://schemas.openxmlformats.org/markup-compatibility/2006" xmlns:hp="http://schemas.haansoft.com/office/presentation/8.0" kumimoji="0" lang="en-US" altLang="ko-KR" sz="1500" b="0" i="0" u="none" strike="noStrike" kern="1200" cap="none" spc="0" normalizeH="0" baseline="0" mc:Ignorable="hp" hp:hslEmbossed="0">
+              <a:rPr kumimoji="0" lang="en-US" altLang="ko-KR" sz="1500" b="0" i="0" u="none" strike="noStrike" kern="1200" cap="none" spc="0" normalizeH="0" baseline="0">
                 <a:solidFill>
                   <a:srgbClr val="000000"/>
                 </a:solidFill>
@@ -7537,14 +7159,6 @@
               </a:rPr>
               <a:t>2</a:t>
             </a:r>
-            <a:endParaRPr xmlns:mc="http://schemas.openxmlformats.org/markup-compatibility/2006" xmlns:hp="http://schemas.haansoft.com/office/presentation/8.0" kumimoji="0" lang="en-US" altLang="ko-KR" sz="1500" b="0" i="0" u="none" strike="noStrike" kern="1200" cap="none" spc="0" normalizeH="0" baseline="0" mc:Ignorable="hp" hp:hslEmbossed="0">
-              <a:solidFill>
-                <a:srgbClr val="000000"/>
-              </a:solidFill>
-              <a:latin typeface="Calibri"/>
-              <a:ea typeface="맑은 고딕"/>
-              <a:cs typeface="Calibri"/>
-            </a:endParaRPr>
           </a:p>
         </p:txBody>
       </p:sp>
@@ -7576,6 +7190,7 @@
           <a:bodyPr vert="horz" lIns="91440" tIns="45720" rIns="91440" bIns="45720" anchor="ctr">
             <a:normAutofit/>
           </a:bodyPr>
+          <a:lstStyle/>
           <a:p>
             <a:pPr marL="0" lvl="0" indent="0" algn="ctr" defTabSz="914400" rtl="0" eaLnBrk="1" latinLnBrk="1" hangingPunct="1">
               <a:lnSpc>
@@ -7591,7 +7206,7 @@
               <a:defRPr/>
             </a:pPr>
             <a:r>
-              <a:rPr xmlns:mc="http://schemas.openxmlformats.org/markup-compatibility/2006" xmlns:hp="http://schemas.haansoft.com/office/presentation/8.0" kumimoji="0" lang="ko-KR" altLang="en-US" sz="1500" b="0" i="0" u="none" strike="noStrike" kern="1200" cap="none" spc="0" normalizeH="0" baseline="0" mc:Ignorable="hp" hp:hslEmbossed="0">
+              <a:rPr kumimoji="0" lang="ko-KR" altLang="en-US" sz="1500" b="0" i="0" u="none" strike="noStrike" kern="1200" cap="none" spc="0" normalizeH="0" baseline="0">
                 <a:solidFill>
                   <a:srgbClr val="000000"/>
                 </a:solidFill>
@@ -7602,7 +7217,7 @@
               <a:t>기계일반</a:t>
             </a:r>
             <a:r>
-              <a:rPr xmlns:mc="http://schemas.openxmlformats.org/markup-compatibility/2006" xmlns:hp="http://schemas.haansoft.com/office/presentation/8.0" kumimoji="0" lang="en-US" altLang="ko-KR" sz="1500" b="0" i="0" u="none" strike="noStrike" kern="1200" cap="none" spc="0" normalizeH="0" baseline="0" mc:Ignorable="hp" hp:hslEmbossed="0">
+              <a:rPr kumimoji="0" lang="en-US" altLang="ko-KR" sz="1500" b="0" i="0" u="none" strike="noStrike" kern="1200" cap="none" spc="0" normalizeH="0" baseline="0">
                 <a:solidFill>
                   <a:srgbClr val="000000"/>
                 </a:solidFill>
@@ -7612,14 +7227,6 @@
               </a:rPr>
               <a:t>1</a:t>
             </a:r>
-            <a:endParaRPr xmlns:mc="http://schemas.openxmlformats.org/markup-compatibility/2006" xmlns:hp="http://schemas.haansoft.com/office/presentation/8.0" kumimoji="0" lang="en-US" altLang="ko-KR" sz="1500" b="0" i="0" u="none" strike="noStrike" kern="1200" cap="none" spc="0" normalizeH="0" baseline="0" mc:Ignorable="hp" hp:hslEmbossed="0">
-              <a:solidFill>
-                <a:srgbClr val="000000"/>
-              </a:solidFill>
-              <a:latin typeface="Calibri"/>
-              <a:ea typeface="맑은 고딕"/>
-              <a:cs typeface="Calibri"/>
-            </a:endParaRPr>
           </a:p>
         </p:txBody>
       </p:sp>
@@ -7948,6 +7555,7 @@
           <a:bodyPr vert="horz" lIns="91440" tIns="45720" rIns="91440" bIns="45720" anchor="ctr">
             <a:normAutofit/>
           </a:bodyPr>
+          <a:lstStyle/>
           <a:p>
             <a:pPr marL="0" lvl="0" indent="0" algn="ctr" defTabSz="914400" rtl="0" eaLnBrk="1" latinLnBrk="1" hangingPunct="1">
               <a:lnSpc>
@@ -7963,7 +7571,7 @@
               <a:defRPr/>
             </a:pPr>
             <a:r>
-              <a:rPr xmlns:mc="http://schemas.openxmlformats.org/markup-compatibility/2006" xmlns:hp="http://schemas.haansoft.com/office/presentation/8.0" kumimoji="0" lang="ko-KR" altLang="en-US" sz="1500" b="0" i="0" u="none" strike="noStrike" kern="1200" cap="none" spc="0" normalizeH="0" baseline="0" mc:Ignorable="hp" hp:hslEmbossed="0">
+              <a:rPr kumimoji="0" lang="ko-KR" altLang="en-US" sz="1500" b="0" i="0" u="none" strike="noStrike" kern="1200" cap="none" spc="0" normalizeH="0" baseline="0" dirty="0">
                 <a:solidFill>
                   <a:srgbClr val="000000"/>
                 </a:solidFill>
@@ -7973,14 +7581,6 @@
               </a:rPr>
               <a:t>인터페이스</a:t>
             </a:r>
-            <a:endParaRPr xmlns:mc="http://schemas.openxmlformats.org/markup-compatibility/2006" xmlns:hp="http://schemas.haansoft.com/office/presentation/8.0" kumimoji="0" lang="ko-KR" altLang="en-US" sz="1500" b="0" i="0" u="none" strike="noStrike" kern="1200" cap="none" spc="0" normalizeH="0" baseline="0" mc:Ignorable="hp" hp:hslEmbossed="0">
-              <a:solidFill>
-                <a:srgbClr val="000000"/>
-              </a:solidFill>
-              <a:latin typeface="Calibri"/>
-              <a:ea typeface="맑은 고딕"/>
-              <a:cs typeface="Calibri"/>
-            </a:endParaRPr>
           </a:p>
           <a:p>
             <a:pPr marL="0" lvl="0" indent="0" algn="ctr" defTabSz="914400" rtl="0" eaLnBrk="1" latinLnBrk="1" hangingPunct="1">
@@ -7997,7 +7597,7 @@
               <a:defRPr/>
             </a:pPr>
             <a:r>
-              <a:rPr xmlns:mc="http://schemas.openxmlformats.org/markup-compatibility/2006" xmlns:hp="http://schemas.haansoft.com/office/presentation/8.0" kumimoji="0" lang="ko-KR" altLang="en-US" sz="1500" b="0" i="0" u="none" strike="noStrike" kern="1200" cap="none" spc="0" normalizeH="0" baseline="0" mc:Ignorable="hp" hp:hslEmbossed="0">
+              <a:rPr kumimoji="0" lang="ko-KR" altLang="en-US" sz="1500" b="0" i="0" u="none" strike="noStrike" kern="1200" cap="none" spc="0" normalizeH="0" baseline="0" dirty="0">
                 <a:solidFill>
                   <a:srgbClr val="000000"/>
                 </a:solidFill>
@@ -8005,16 +7605,8 @@
                 <a:ea typeface="맑은 고딕"/>
                 <a:cs typeface="Calibri"/>
               </a:rPr>
-              <a:t>보스스킬</a:t>
-            </a:r>
-            <a:endParaRPr xmlns:mc="http://schemas.openxmlformats.org/markup-compatibility/2006" xmlns:hp="http://schemas.haansoft.com/office/presentation/8.0" kumimoji="0" lang="ko-KR" altLang="en-US" sz="1500" b="0" i="0" u="none" strike="noStrike" kern="1200" cap="none" spc="0" normalizeH="0" baseline="0" mc:Ignorable="hp" hp:hslEmbossed="0">
-              <a:solidFill>
-                <a:srgbClr val="000000"/>
-              </a:solidFill>
-              <a:latin typeface="Calibri"/>
-              <a:ea typeface="맑은 고딕"/>
-              <a:cs typeface="Calibri"/>
-            </a:endParaRPr>
+              <a:t>스킬</a:t>
+            </a:r>
           </a:p>
           <a:p>
             <a:pPr marL="0" lvl="0" indent="0" algn="ctr" defTabSz="914400" rtl="0" eaLnBrk="1" latinLnBrk="1" hangingPunct="1">
@@ -8031,7 +7623,7 @@
               <a:defRPr/>
             </a:pPr>
             <a:r>
-              <a:rPr xmlns:mc="http://schemas.openxmlformats.org/markup-compatibility/2006" xmlns:hp="http://schemas.haansoft.com/office/presentation/8.0" kumimoji="0" lang="ko-KR" altLang="en-US" sz="1500" b="0" i="0" u="none" strike="noStrike" kern="1200" cap="none" spc="0" normalizeH="0" baseline="0" mc:Ignorable="hp" hp:hslEmbossed="0">
+              <a:rPr kumimoji="0" lang="ko-KR" altLang="en-US" sz="1500" b="0" i="0" u="none" strike="noStrike" kern="1200" cap="none" spc="0" normalizeH="0" baseline="0" dirty="0">
                 <a:solidFill>
                   <a:srgbClr val="000000"/>
                 </a:solidFill>
@@ -8042,7 +7634,7 @@
               <a:t>메서드 </a:t>
             </a:r>
             <a:r>
-              <a:rPr xmlns:mc="http://schemas.openxmlformats.org/markup-compatibility/2006" xmlns:hp="http://schemas.haansoft.com/office/presentation/8.0" kumimoji="0" lang="en-US" altLang="ko-KR" sz="1500" b="0" i="0" u="none" strike="noStrike" kern="1200" cap="none" spc="0" normalizeH="0" baseline="0" mc:Ignorable="hp" hp:hslEmbossed="0">
+              <a:rPr kumimoji="0" lang="en-US" altLang="ko-KR" sz="1500" b="0" i="0" u="none" strike="noStrike" kern="1200" cap="none" spc="0" normalizeH="0" baseline="0" dirty="0">
                 <a:solidFill>
                   <a:srgbClr val="000000"/>
                 </a:solidFill>
@@ -8053,7 +7645,7 @@
               <a:t>: </a:t>
             </a:r>
             <a:r>
-              <a:rPr xmlns:mc="http://schemas.openxmlformats.org/markup-compatibility/2006" xmlns:hp="http://schemas.haansoft.com/office/presentation/8.0" kumimoji="0" lang="ko-KR" altLang="en-US" sz="1500" b="0" i="0" u="none" strike="noStrike" kern="1200" cap="none" spc="0" normalizeH="0" baseline="0" mc:Ignorable="hp" hp:hslEmbossed="0">
+              <a:rPr kumimoji="0" lang="ko-KR" altLang="en-US" sz="1500" b="0" i="0" u="none" strike="noStrike" kern="1200" cap="none" spc="0" normalizeH="0" baseline="0" dirty="0">
                 <a:solidFill>
                   <a:srgbClr val="000000"/>
                 </a:solidFill>
@@ -8061,16 +7653,8 @@
                 <a:ea typeface="맑은 고딕"/>
                 <a:cs typeface="Calibri"/>
               </a:rPr>
-              <a:t>보스스킬</a:t>
-            </a:r>
-            <a:endParaRPr xmlns:mc="http://schemas.openxmlformats.org/markup-compatibility/2006" xmlns:hp="http://schemas.haansoft.com/office/presentation/8.0" kumimoji="0" lang="ko-KR" altLang="en-US" sz="1500" b="0" i="0" u="none" strike="noStrike" kern="1200" cap="none" spc="0" normalizeH="0" baseline="0" mc:Ignorable="hp" hp:hslEmbossed="0">
-              <a:solidFill>
-                <a:srgbClr val="000000"/>
-              </a:solidFill>
-              <a:latin typeface="Calibri"/>
-              <a:ea typeface="맑은 고딕"/>
-              <a:cs typeface="Calibri"/>
-            </a:endParaRPr>
+              <a:t>스킬</a:t>
+            </a:r>
           </a:p>
         </p:txBody>
       </p:sp>
@@ -8173,16 +7757,55 @@
           </a:fontRef>
         </p:style>
       </p:cxnSp>
+      <p:cxnSp>
+        <p:nvCxnSpPr>
+          <p:cNvPr id="29" name="직선 연결선 28">
+            <a:extLst>
+              <a:ext uri="{FF2B5EF4-FFF2-40B4-BE49-F238E27FC236}">
+                <a16:creationId xmlns:a16="http://schemas.microsoft.com/office/drawing/2014/main" id="{A015DED8-D27B-4927-4D9C-154386DA2EEB}"/>
+              </a:ext>
+            </a:extLst>
+          </p:cNvPr>
+          <p:cNvCxnSpPr>
+            <a:stCxn id="6" idx="3"/>
+            <a:endCxn id="183" idx="1"/>
+          </p:cNvCxnSpPr>
+          <p:nvPr/>
+        </p:nvCxnSpPr>
+        <p:spPr>
+          <a:xfrm>
+            <a:off x="3023250" y="1417549"/>
+            <a:ext cx="6548618" cy="4597811"/>
+          </a:xfrm>
+          <a:prstGeom prst="line">
+            <a:avLst/>
+          </a:prstGeom>
+        </p:spPr>
+        <p:style>
+          <a:lnRef idx="1">
+            <a:schemeClr val="accent1"/>
+          </a:lnRef>
+          <a:fillRef idx="0">
+            <a:schemeClr val="accent1"/>
+          </a:fillRef>
+          <a:effectRef idx="0">
+            <a:schemeClr val="accent1"/>
+          </a:effectRef>
+          <a:fontRef idx="minor">
+            <a:schemeClr val="tx1"/>
+          </a:fontRef>
+        </p:style>
+      </p:cxnSp>
     </p:spTree>
   </p:cSld>
   <p:clrMapOvr>
     <a:masterClrMapping/>
   </p:clrMapOvr>
-  <mc:AlternateContent xmlns:mc="http://schemas.openxmlformats.org/markup-compatibility/2006">
-    <mc:Choice xmlns:p14="http://schemas.microsoft.com/office/powerpoint/2010/main" Requires="p14">
-      <p:transition xmlns:mc="http://schemas.openxmlformats.org/markup-compatibility/2006" xmlns:p14="http://schemas.microsoft.com/office/powerpoint/2010/main" mc:Ignorable="p14" p14:dur="500"/>
+  <mc:AlternateContent xmlns:mc="http://schemas.openxmlformats.org/markup-compatibility/2006" xmlns:p14="http://schemas.microsoft.com/office/powerpoint/2010/main">
+    <mc:Choice Requires="p14">
+      <p:transition/>
     </mc:Choice>
-    <mc:Fallback>
+    <mc:Fallback xmlns:dsp="http://schemas.microsoft.com/office/drawing/2008/diagram" xmlns:dgm="http://schemas.openxmlformats.org/drawingml/2006/diagram" xmlns:c="http://schemas.openxmlformats.org/drawingml/2006/chart" xmlns="">
       <p:transition/>
     </mc:Fallback>
   </mc:AlternateContent>
@@ -8190,44 +7813,44 @@
 </file>
 
 <file path=ppt/theme/theme1.xml><?xml version="1.0" encoding="utf-8"?>
-<a:theme xmlns:r="http://schemas.openxmlformats.org/officeDocument/2006/relationships" xmlns:c="http://schemas.openxmlformats.org/drawingml/2006/chart" xmlns:dgm="http://schemas.openxmlformats.org/drawingml/2006/diagram" xmlns:dsp="http://schemas.microsoft.com/office/drawing/2008/diagram" xmlns:a="http://schemas.openxmlformats.org/drawingml/2006/main" xmlns:pic="http://schemas.openxmlformats.org/drawingml/2006/picture" xmlns:wp="http://schemas.openxmlformats.org/drawingml/2006/wordprocessingDrawing" xmlns:xdr="http://schemas.openxmlformats.org/drawingml/2006/spreadsheetDrawing" xmlns:lc="http://schemas.openxmlformats.org/drawingml/2006/lockedCanvas" xmlns:p="http://schemas.openxmlformats.org/presentationml/2006/main" name="Office 테마">
+<a:theme xmlns:a="http://schemas.openxmlformats.org/drawingml/2006/main" name="Office 테마">
   <a:themeElements>
     <a:clrScheme name="Office">
       <a:dk1>
         <a:sysClr val="windowText" lastClr="000000"/>
       </a:dk1>
       <a:lt1>
-        <a:sysClr val="window" lastClr="ffffff"/>
+        <a:sysClr val="window" lastClr="FFFFFF"/>
       </a:lt1>
       <a:dk2>
-        <a:srgbClr val="44546a"/>
+        <a:srgbClr val="44546A"/>
       </a:dk2>
       <a:lt2>
-        <a:srgbClr val="e7e6e6"/>
+        <a:srgbClr val="E7E6E6"/>
       </a:lt2>
       <a:accent1>
-        <a:srgbClr val="4472c4"/>
+        <a:srgbClr val="4472C4"/>
       </a:accent1>
       <a:accent2>
-        <a:srgbClr val="ed7d31"/>
+        <a:srgbClr val="ED7D31"/>
       </a:accent2>
       <a:accent3>
-        <a:srgbClr val="a5a5a5"/>
+        <a:srgbClr val="A5A5A5"/>
       </a:accent3>
       <a:accent4>
-        <a:srgbClr val="ffc000"/>
+        <a:srgbClr val="FFC000"/>
       </a:accent4>
       <a:accent5>
-        <a:srgbClr val="5b9bd5"/>
+        <a:srgbClr val="5B9BD5"/>
       </a:accent5>
       <a:accent6>
-        <a:srgbClr val="70ad47"/>
+        <a:srgbClr val="70AD47"/>
       </a:accent6>
       <a:hlink>
-        <a:srgbClr val="0563c1"/>
+        <a:srgbClr val="0563C1"/>
       </a:hlink>
       <a:folHlink>
-        <a:srgbClr val="954f72"/>
+        <a:srgbClr val="954F72"/>
       </a:folHlink>
     </a:clrScheme>
     <a:fontScheme name="Office">
@@ -8474,5 +8097,7 @@
       </a:bgFillStyleLst>
     </a:fmtScheme>
   </a:themeElements>
+  <a:objectDefaults/>
+  <a:extraClrSchemeLst/>
 </a:theme>
 </file>
--- a/rpg수정.pptx
+++ b/rpg수정.pptx
@@ -1,6 +1,6 @@
 
 <file path=ppt/presentation.xml><?xml version="1.0" encoding="utf-8"?>
-<p:presentation xmlns:a="http://schemas.openxmlformats.org/drawingml/2006/main" xmlns:r="http://schemas.openxmlformats.org/officeDocument/2006/relationships" xmlns:p="http://schemas.openxmlformats.org/presentationml/2006/main">
+<p:presentation xmlns:r="http://schemas.openxmlformats.org/officeDocument/2006/relationships" xmlns:c="http://schemas.openxmlformats.org/drawingml/2006/chart" xmlns:a="http://schemas.openxmlformats.org/drawingml/2006/main" xmlns:dgm="http://schemas.openxmlformats.org/drawingml/2006/diagram" xmlns:dsp="http://schemas.microsoft.com/office/drawing/2008/diagram" xmlns:p="http://schemas.openxmlformats.org/presentationml/2006/main">
   <p:sldMasterIdLst>
     <p:sldMasterId id="2147483648" r:id="rId1"/>
   </p:sldMasterIdLst>
@@ -104,11 +104,6 @@
       </a:defRPr>
     </a:lvl9pPr>
   </p:defaultTextStyle>
-  <p:extLst>
-    <p:ext uri="{EFAFB233-063F-42B5-8137-9DF3F51BA10A}">
-      <p15:sldGuideLst xmlns:p15="http://schemas.microsoft.com/office/powerpoint/2012/main"/>
-    </p:ext>
-  </p:extLst>
 </p:presentation>
 </file>
 
@@ -3310,7 +3305,7 @@
 </file>
 
 <file path=ppt/slides/slide1.xml><?xml version="1.0" encoding="utf-8"?>
-<p:sld xmlns:a="http://schemas.openxmlformats.org/drawingml/2006/main" xmlns:r="http://schemas.openxmlformats.org/officeDocument/2006/relationships" xmlns:p="http://schemas.openxmlformats.org/presentationml/2006/main">
+<p:sld xmlns:r="http://schemas.openxmlformats.org/officeDocument/2006/relationships" xmlns:c="http://schemas.openxmlformats.org/drawingml/2006/chart" xmlns:a="http://schemas.openxmlformats.org/drawingml/2006/main" xmlns:dgm="http://schemas.openxmlformats.org/drawingml/2006/diagram" xmlns:dsp="http://schemas.microsoft.com/office/drawing/2008/diagram" xmlns:p="http://schemas.openxmlformats.org/presentationml/2006/main">
   <p:cSld>
     <p:spTree>
       <p:nvGrpSpPr>
@@ -3333,7 +3328,7 @@
             <a:spLocks noGrp="1"/>
           </p:cNvSpPr>
           <p:nvPr>
-            <p:ph type="ctrTitle"/>
+            <p:ph type="ctrTitle" idx="0"/>
           </p:nvPr>
         </p:nvSpPr>
         <p:spPr>
@@ -3546,6 +3541,14 @@
               </a:rPr>
               <a:t>모험가</a:t>
             </a:r>
+            <a:endParaRPr kumimoji="0" lang="ko-KR" altLang="en-US" sz="1200" b="0" i="0" u="none" strike="noStrike" kern="1200" cap="none" spc="0" normalizeH="0" baseline="0">
+              <a:solidFill>
+                <a:srgbClr val="000000"/>
+              </a:solidFill>
+              <a:latin typeface="Calibri"/>
+              <a:ea typeface="맑은 고딕"/>
+              <a:cs typeface="Calibri"/>
+            </a:endParaRPr>
           </a:p>
           <a:p>
             <a:pPr marL="0" lvl="0" indent="0" algn="ctr" defTabSz="914400" rtl="0" eaLnBrk="1" latinLnBrk="1" hangingPunct="1">
@@ -3605,6 +3608,14 @@
               </a:rPr>
               <a:t>exp,level,job,skillatk,needexp,addexp, addhp,</a:t>
             </a:r>
+            <a:endParaRPr lang="en-US" altLang="ko-KR" sz="1200">
+              <a:solidFill>
+                <a:srgbClr val="000000"/>
+              </a:solidFill>
+              <a:latin typeface="Calibri"/>
+              <a:ea typeface="맑은 고딕"/>
+              <a:cs typeface="Calibri"/>
+            </a:endParaRPr>
           </a:p>
           <a:p>
             <a:pPr marL="0" lvl="0" indent="0" algn="ctr" defTabSz="914400" rtl="0" eaLnBrk="1" latinLnBrk="1" hangingPunct="1">
@@ -3631,6 +3642,14 @@
               </a:rPr>
               <a:t>addmp,addatk,addskillatk.maxhp,maxmp</a:t>
             </a:r>
+            <a:endParaRPr lang="en-US" altLang="ko-KR" sz="1200">
+              <a:solidFill>
+                <a:srgbClr val="000000"/>
+              </a:solidFill>
+              <a:latin typeface="Calibri"/>
+              <a:ea typeface="맑은 고딕"/>
+              <a:cs typeface="Calibri"/>
+            </a:endParaRPr>
           </a:p>
           <a:p>
             <a:pPr marL="0" lvl="0" indent="0" algn="ctr" defTabSz="914400" rtl="0" eaLnBrk="1" latinLnBrk="1" hangingPunct="1">
@@ -3679,6 +3698,14 @@
               </a:rPr>
               <a:t>BuyItems</a:t>
             </a:r>
+            <a:endParaRPr lang="en-US" altLang="ko-KR" sz="1200">
+              <a:solidFill>
+                <a:srgbClr val="000000"/>
+              </a:solidFill>
+              <a:latin typeface="Calibri"/>
+              <a:ea typeface="맑은 고딕"/>
+              <a:cs typeface="Calibri"/>
+            </a:endParaRPr>
           </a:p>
         </p:txBody>
       </p:sp>
@@ -3736,6 +3763,14 @@
               </a:rPr>
               <a:t>몬스터</a:t>
             </a:r>
+            <a:endParaRPr kumimoji="0" lang="ko-KR" altLang="en-US" sz="1500" b="0" i="0" u="none" strike="noStrike" kern="1200" cap="none" spc="0" normalizeH="0" baseline="0">
+              <a:solidFill>
+                <a:srgbClr val="000000"/>
+              </a:solidFill>
+              <a:latin typeface="Calibri"/>
+              <a:ea typeface="맑은 고딕"/>
+              <a:cs typeface="Calibri"/>
+            </a:endParaRPr>
           </a:p>
           <a:p>
             <a:pPr marL="0" lvl="0" indent="0" algn="ctr" defTabSz="914400" rtl="0" eaLnBrk="1" latinLnBrk="1" hangingPunct="1">
@@ -3773,6 +3808,14 @@
               </a:rPr>
               <a:t>: species</a:t>
             </a:r>
+            <a:endParaRPr lang="en-US" altLang="ko-KR" sz="1500">
+              <a:solidFill>
+                <a:srgbClr val="000000"/>
+              </a:solidFill>
+              <a:latin typeface="Calibri"/>
+              <a:ea typeface="맑은 고딕"/>
+              <a:cs typeface="Calibri"/>
+            </a:endParaRPr>
           </a:p>
           <a:p>
             <a:pPr marL="0" lvl="0" indent="0" algn="ctr" defTabSz="914400" rtl="0" eaLnBrk="1" latinLnBrk="1" hangingPunct="1">
@@ -3799,6 +3842,14 @@
               </a:rPr>
               <a:t>difficulty</a:t>
             </a:r>
+            <a:endParaRPr lang="en-US" altLang="ko-KR" sz="1500">
+              <a:solidFill>
+                <a:srgbClr val="000000"/>
+              </a:solidFill>
+              <a:latin typeface="Calibri"/>
+              <a:ea typeface="맑은 고딕"/>
+              <a:cs typeface="Calibri"/>
+            </a:endParaRPr>
           </a:p>
         </p:txBody>
       </p:sp>
@@ -3856,6 +3907,14 @@
               </a:rPr>
               <a:t>npc</a:t>
             </a:r>
+            <a:endParaRPr kumimoji="0" lang="en-US" altLang="ko-KR" sz="1300" b="0" i="0" u="none" strike="noStrike" kern="1200" cap="none" spc="0" normalizeH="0" baseline="0">
+              <a:solidFill>
+                <a:srgbClr val="000000"/>
+              </a:solidFill>
+              <a:latin typeface="맑은 고딕"/>
+              <a:ea typeface="맑은 고딕"/>
+              <a:cs typeface="Calibri"/>
+            </a:endParaRPr>
           </a:p>
         </p:txBody>
       </p:sp>
@@ -3903,7 +3962,7 @@
               <a:defRPr/>
             </a:pPr>
             <a:r>
-              <a:rPr kumimoji="0" lang="ko-KR" altLang="en-US" sz="1200" b="0" i="0" u="none" strike="noStrike" kern="1200" cap="none" spc="0" normalizeH="0" baseline="0" dirty="0">
+              <a:rPr kumimoji="0" lang="ko-KR" altLang="en-US" sz="1200" b="0" i="0" u="none" strike="noStrike" kern="1200" cap="none" spc="0" normalizeH="0" baseline="0">
                 <a:solidFill>
                   <a:srgbClr val="000000"/>
                 </a:solidFill>
@@ -3914,7 +3973,7 @@
               <a:t>전</a:t>
             </a:r>
             <a:r>
-              <a:rPr lang="ko-KR" altLang="en-US" sz="1200" dirty="0">
+              <a:rPr lang="ko-KR" altLang="en-US" sz="1200">
                 <a:solidFill>
                   <a:srgbClr val="000000"/>
                 </a:solidFill>
@@ -3924,7 +3983,7 @@
               </a:rPr>
               <a:t>사</a:t>
             </a:r>
-            <a:endParaRPr kumimoji="0" lang="en-US" altLang="ko-KR" sz="1200" b="0" i="0" u="none" strike="noStrike" kern="1200" cap="none" spc="0" normalizeH="0" baseline="0" dirty="0">
+            <a:endParaRPr lang="ko-KR" altLang="en-US" sz="1200">
               <a:solidFill>
                 <a:srgbClr val="000000"/>
               </a:solidFill>
@@ -3947,7 +4006,7 @@
               <a:buNone/>
               <a:defRPr/>
             </a:pPr>
-            <a:endParaRPr kumimoji="0" lang="ko-KR" altLang="en-US" sz="1200" b="0" i="0" u="none" strike="noStrike" kern="1200" cap="none" spc="0" normalizeH="0" baseline="0" dirty="0">
+            <a:endParaRPr kumimoji="0" lang="ko-KR" altLang="en-US" sz="1200" b="0" i="0" u="none" strike="noStrike" kern="1200" cap="none" spc="0" normalizeH="0" baseline="0">
               <a:solidFill>
                 <a:srgbClr val="000000"/>
               </a:solidFill>
@@ -4002,7 +4061,7 @@
               <a:defRPr/>
             </a:pPr>
             <a:r>
-              <a:rPr kumimoji="0" lang="ko-KR" altLang="en-US" sz="1200" b="0" i="0" u="none" strike="noStrike" kern="1200" cap="none" spc="0" normalizeH="0" baseline="0" dirty="0">
+              <a:rPr kumimoji="0" lang="ko-KR" altLang="en-US" sz="1200" b="0" i="0" u="none" strike="noStrike" kern="1200" cap="none" spc="0" normalizeH="0" baseline="0">
                 <a:solidFill>
                   <a:srgbClr val="000000"/>
                 </a:solidFill>
@@ -4012,7 +4071,7 @@
               </a:rPr>
               <a:t>궁수</a:t>
             </a:r>
-            <a:endParaRPr kumimoji="0" lang="en-US" altLang="ko-KR" sz="1200" b="0" i="0" u="none" strike="noStrike" kern="1200" cap="none" spc="0" normalizeH="0" baseline="0" dirty="0">
+            <a:endParaRPr kumimoji="0" lang="ko-KR" altLang="en-US" sz="1200" b="0" i="0" u="none" strike="noStrike" kern="1200" cap="none" spc="0" normalizeH="0" baseline="0">
               <a:solidFill>
                 <a:srgbClr val="000000"/>
               </a:solidFill>
@@ -4028,7 +4087,7 @@
               </a:spcBef>
               <a:defRPr/>
             </a:pPr>
-            <a:endParaRPr lang="en-US" altLang="ko-KR" sz="1200" dirty="0">
+            <a:endParaRPr lang="en-US" altLang="ko-KR" sz="1200">
               <a:solidFill>
                 <a:srgbClr val="000000"/>
               </a:solidFill>
@@ -4051,7 +4110,7 @@
               <a:buNone/>
               <a:defRPr/>
             </a:pPr>
-            <a:endParaRPr kumimoji="0" lang="ko-KR" altLang="en-US" sz="1200" b="0" i="0" u="none" strike="noStrike" kern="1200" cap="none" spc="0" normalizeH="0" baseline="0" dirty="0">
+            <a:endParaRPr kumimoji="0" lang="ko-KR" altLang="en-US" sz="1200" b="0" i="0" u="none" strike="noStrike" kern="1200" cap="none" spc="0" normalizeH="0" baseline="0">
               <a:solidFill>
                 <a:srgbClr val="000000"/>
               </a:solidFill>
@@ -4116,7 +4175,7 @@
               </a:rPr>
               <a:t>마법사</a:t>
             </a:r>
-            <a:endParaRPr lang="en-US" altLang="ko-KR" sz="1200" dirty="0">
+            <a:endParaRPr kumimoji="0" lang="ko-KR" altLang="en-US" sz="1200" b="0" i="0" u="none" strike="noStrike" kern="1200" cap="none" spc="0" normalizeH="0" baseline="0">
               <a:solidFill>
                 <a:srgbClr val="000000"/>
               </a:solidFill>
@@ -4139,7 +4198,7 @@
               <a:buNone/>
               <a:defRPr/>
             </a:pPr>
-            <a:endParaRPr kumimoji="0" lang="ko-KR" altLang="en-US" sz="1200" b="0" i="0" u="none" strike="noStrike" kern="1200" cap="none" spc="0" normalizeH="0" baseline="0" dirty="0">
+            <a:endParaRPr kumimoji="0" lang="ko-KR" altLang="en-US" sz="1200" b="0" i="0" u="none" strike="noStrike" kern="1200" cap="none" spc="0" normalizeH="0" baseline="0">
               <a:solidFill>
                 <a:srgbClr val="000000"/>
               </a:solidFill>
@@ -4204,6 +4263,14 @@
               </a:rPr>
               <a:t>전투지원</a:t>
             </a:r>
+            <a:endParaRPr kumimoji="0" lang="ko-KR" altLang="en-US" sz="1300" b="0" i="0" u="none" strike="noStrike" kern="1200" cap="none" spc="0" normalizeH="0" baseline="0">
+              <a:solidFill>
+                <a:srgbClr val="000000"/>
+              </a:solidFill>
+              <a:latin typeface="맑은 고딕"/>
+              <a:ea typeface="맑은 고딕"/>
+              <a:cs typeface="Calibri"/>
+            </a:endParaRPr>
           </a:p>
         </p:txBody>
       </p:sp>
@@ -4261,6 +4328,14 @@
               </a:rPr>
               <a:t>무기판매</a:t>
             </a:r>
+            <a:endParaRPr kumimoji="0" lang="ko-KR" altLang="en-US" sz="1300" b="0" i="0" u="none" strike="noStrike" kern="1200" cap="none" spc="0" normalizeH="0" baseline="0">
+              <a:solidFill>
+                <a:srgbClr val="000000"/>
+              </a:solidFill>
+              <a:latin typeface="맑은 고딕"/>
+              <a:ea typeface="맑은 고딕"/>
+              <a:cs typeface="Calibri"/>
+            </a:endParaRPr>
           </a:p>
           <a:p>
             <a:pPr marL="0" lvl="0" indent="0" algn="ctr" defTabSz="914400" rtl="0" eaLnBrk="1" latinLnBrk="1" hangingPunct="1">
@@ -4363,6 +4438,14 @@
               </a:rPr>
               <a:t>길잡이</a:t>
             </a:r>
+            <a:endParaRPr kumimoji="0" lang="ko-KR" altLang="en-US" sz="1300" b="0" i="0" u="none" strike="noStrike" kern="1200" cap="none" spc="0" normalizeH="0" baseline="0">
+              <a:solidFill>
+                <a:srgbClr val="000000"/>
+              </a:solidFill>
+              <a:latin typeface="맑은 고딕"/>
+              <a:ea typeface="맑은 고딕"/>
+              <a:cs typeface="Calibri"/>
+            </a:endParaRPr>
           </a:p>
           <a:p>
             <a:pPr marL="0" lvl="0" indent="0" algn="ctr" defTabSz="914400" rtl="0" eaLnBrk="1" latinLnBrk="1" hangingPunct="1">
@@ -4400,6 +4483,14 @@
               </a:rPr>
               <a:t>:</a:t>
             </a:r>
+            <a:endParaRPr kumimoji="0" lang="en-US" altLang="ko-KR" sz="1300" b="0" i="0" u="none" strike="noStrike" kern="1200" cap="none" spc="0" normalizeH="0" baseline="0">
+              <a:solidFill>
+                <a:srgbClr val="000000"/>
+              </a:solidFill>
+              <a:latin typeface="맑은 고딕"/>
+              <a:ea typeface="맑은 고딕"/>
+              <a:cs typeface="Calibri"/>
+            </a:endParaRPr>
           </a:p>
           <a:p>
             <a:pPr marL="0" lvl="0" indent="0" algn="ctr" defTabSz="914400" rtl="0" eaLnBrk="1" latinLnBrk="1" hangingPunct="1">
@@ -4491,6 +4582,14 @@
               </a:rPr>
               <a:t>상급</a:t>
             </a:r>
+            <a:endParaRPr kumimoji="0" lang="ko-KR" altLang="en-US" sz="1500" b="0" i="0" u="none" strike="noStrike" kern="1200" cap="none" spc="0" normalizeH="0" baseline="0">
+              <a:solidFill>
+                <a:srgbClr val="000000"/>
+              </a:solidFill>
+              <a:latin typeface="Calibri"/>
+              <a:ea typeface="맑은 고딕"/>
+              <a:cs typeface="Calibri"/>
+            </a:endParaRPr>
           </a:p>
         </p:txBody>
       </p:sp>
@@ -4548,6 +4647,14 @@
               </a:rPr>
               <a:t>중급</a:t>
             </a:r>
+            <a:endParaRPr kumimoji="0" lang="ko-KR" altLang="en-US" sz="1500" b="0" i="0" u="none" strike="noStrike" kern="1200" cap="none" spc="0" normalizeH="0" baseline="0">
+              <a:solidFill>
+                <a:srgbClr val="000000"/>
+              </a:solidFill>
+              <a:latin typeface="Calibri"/>
+              <a:ea typeface="맑은 고딕"/>
+              <a:cs typeface="Calibri"/>
+            </a:endParaRPr>
           </a:p>
         </p:txBody>
       </p:sp>
@@ -4605,6 +4712,14 @@
               </a:rPr>
               <a:t>하급</a:t>
             </a:r>
+            <a:endParaRPr kumimoji="0" lang="ko-KR" altLang="en-US" sz="1500" b="0" i="0" u="none" strike="noStrike" kern="1200" cap="none" spc="0" normalizeH="0" baseline="0">
+              <a:solidFill>
+                <a:srgbClr val="000000"/>
+              </a:solidFill>
+              <a:latin typeface="Calibri"/>
+              <a:ea typeface="맑은 고딕"/>
+              <a:cs typeface="Calibri"/>
+            </a:endParaRPr>
           </a:p>
         </p:txBody>
       </p:sp>
@@ -4662,6 +4777,14 @@
               </a:rPr>
               <a:t>검류</a:t>
             </a:r>
+            <a:endParaRPr kumimoji="0" lang="ko-KR" altLang="en-US" sz="1500" b="0" i="0" u="none" strike="noStrike" kern="1200" cap="none" spc="0" normalizeH="0" baseline="0">
+              <a:solidFill>
+                <a:srgbClr val="000000"/>
+              </a:solidFill>
+              <a:latin typeface="Calibri"/>
+              <a:ea typeface="맑은 고딕"/>
+              <a:cs typeface="Calibri"/>
+            </a:endParaRPr>
           </a:p>
         </p:txBody>
       </p:sp>
@@ -4719,6 +4842,14 @@
               </a:rPr>
               <a:t>활류</a:t>
             </a:r>
+            <a:endParaRPr kumimoji="0" lang="ko-KR" altLang="en-US" sz="1500" b="0" i="0" u="none" strike="noStrike" kern="1200" cap="none" spc="0" normalizeH="0" baseline="0">
+              <a:solidFill>
+                <a:srgbClr val="000000"/>
+              </a:solidFill>
+              <a:latin typeface="Calibri"/>
+              <a:ea typeface="맑은 고딕"/>
+              <a:cs typeface="Calibri"/>
+            </a:endParaRPr>
           </a:p>
         </p:txBody>
       </p:sp>
@@ -4776,6 +4907,14 @@
               </a:rPr>
               <a:t>봉류</a:t>
             </a:r>
+            <a:endParaRPr kumimoji="0" lang="ko-KR" altLang="en-US" sz="1500" b="0" i="0" u="none" strike="noStrike" kern="1200" cap="none" spc="0" normalizeH="0" baseline="0">
+              <a:solidFill>
+                <a:srgbClr val="000000"/>
+              </a:solidFill>
+              <a:latin typeface="Calibri"/>
+              <a:ea typeface="맑은 고딕"/>
+              <a:cs typeface="Calibri"/>
+            </a:endParaRPr>
           </a:p>
         </p:txBody>
       </p:sp>
@@ -5196,6 +5335,14 @@
               </a:rPr>
               <a:t>인터페이스</a:t>
             </a:r>
+            <a:endParaRPr lang="ko-KR" altLang="en-US" sz="1500">
+              <a:solidFill>
+                <a:srgbClr val="000000"/>
+              </a:solidFill>
+              <a:latin typeface="Calibri"/>
+              <a:ea typeface="맑은 고딕"/>
+              <a:cs typeface="Calibri"/>
+            </a:endParaRPr>
           </a:p>
           <a:p>
             <a:pPr marL="0" lvl="0" indent="0" algn="ctr" defTabSz="914400" rtl="0" eaLnBrk="1" latinLnBrk="1" hangingPunct="1">
@@ -5222,6 +5369,14 @@
               </a:rPr>
               <a:t>공격</a:t>
             </a:r>
+            <a:endParaRPr lang="ko-KR" altLang="en-US" sz="1500">
+              <a:solidFill>
+                <a:srgbClr val="000000"/>
+              </a:solidFill>
+              <a:latin typeface="Calibri"/>
+              <a:ea typeface="맑은 고딕"/>
+              <a:cs typeface="Calibri"/>
+            </a:endParaRPr>
           </a:p>
           <a:p>
             <a:pPr marL="0" lvl="0" indent="0" algn="ctr" defTabSz="914400" rtl="0" eaLnBrk="1" latinLnBrk="1" hangingPunct="1">
@@ -5499,6 +5654,14 @@
               </a:rPr>
               <a:t>소검</a:t>
             </a:r>
+            <a:endParaRPr kumimoji="0" lang="ko-KR" altLang="en-US" sz="1500" b="0" u="none" strike="noStrike" kern="1200" cap="none" spc="0" normalizeH="0" baseline="0">
+              <a:solidFill>
+                <a:srgbClr val="000000"/>
+              </a:solidFill>
+              <a:latin typeface="Calibri"/>
+              <a:ea typeface="맑은 고딕"/>
+              <a:cs typeface="Calibri"/>
+            </a:endParaRPr>
           </a:p>
           <a:p>
             <a:pPr marL="0" lvl="0" indent="0" algn="ctr" defTabSz="914400" rtl="0" eaLnBrk="1" latinLnBrk="1" hangingPunct="1">
@@ -5579,6 +5742,14 @@
               </a:rPr>
               <a:t>둔기</a:t>
             </a:r>
+            <a:endParaRPr kumimoji="0" lang="ko-KR" altLang="en-US" sz="1500" b="0" i="0" u="none" strike="noStrike" kern="1200" cap="none" spc="0" normalizeH="0" baseline="0">
+              <a:solidFill>
+                <a:srgbClr val="000000"/>
+              </a:solidFill>
+              <a:latin typeface="Calibri"/>
+              <a:ea typeface="맑은 고딕"/>
+              <a:cs typeface="Calibri"/>
+            </a:endParaRPr>
           </a:p>
           <a:p>
             <a:pPr marL="0" lvl="0" indent="0" algn="ctr" defTabSz="914400" rtl="0" eaLnBrk="1" latinLnBrk="1" hangingPunct="1">
@@ -5724,6 +5895,14 @@
               </a:rPr>
               <a:t>활</a:t>
             </a:r>
+            <a:endParaRPr kumimoji="0" lang="ko-KR" altLang="en-US" sz="1500" b="0" i="0" u="none" strike="noStrike" kern="1200" cap="none" spc="0" normalizeH="0" baseline="0">
+              <a:solidFill>
+                <a:srgbClr val="000000"/>
+              </a:solidFill>
+              <a:latin typeface="Calibri"/>
+              <a:ea typeface="맑은 고딕"/>
+              <a:cs typeface="Calibri"/>
+            </a:endParaRPr>
           </a:p>
           <a:p>
             <a:pPr marL="0" lvl="0" indent="0" algn="ctr" defTabSz="914400" rtl="0" eaLnBrk="1" latinLnBrk="1" hangingPunct="1">
@@ -6209,6 +6388,14 @@
               </a:rPr>
               <a:t>item</a:t>
             </a:r>
+            <a:endParaRPr lang="en-US" altLang="ko-KR" sz="1300">
+              <a:solidFill>
+                <a:srgbClr val="000000"/>
+              </a:solidFill>
+              <a:latin typeface="맑은 고딕"/>
+              <a:ea typeface="맑은 고딕"/>
+              <a:cs typeface="Calibri"/>
+            </a:endParaRPr>
           </a:p>
           <a:p>
             <a:pPr marL="0" lvl="0" indent="0" algn="ctr" defTabSz="914400" rtl="0" eaLnBrk="1" latinLnBrk="1" hangingPunct="1">
@@ -6246,6 +6433,14 @@
               </a:rPr>
               <a:t>:price, weaponatk</a:t>
             </a:r>
+            <a:endParaRPr lang="en-US" altLang="ko-KR" sz="1300">
+              <a:solidFill>
+                <a:srgbClr val="000000"/>
+              </a:solidFill>
+              <a:latin typeface="맑은 고딕"/>
+              <a:ea typeface="맑은 고딕"/>
+              <a:cs typeface="Calibri"/>
+            </a:endParaRPr>
           </a:p>
         </p:txBody>
       </p:sp>
@@ -6435,6 +6630,14 @@
               </a:rPr>
               <a:t>기계족</a:t>
             </a:r>
+            <a:endParaRPr kumimoji="0" lang="ko-KR" altLang="en-US" sz="1300" b="0" i="0" u="none" strike="noStrike" kern="1200" cap="none" spc="0" normalizeH="0" baseline="0">
+              <a:solidFill>
+                <a:srgbClr val="000000"/>
+              </a:solidFill>
+              <a:latin typeface="맑은 고딕"/>
+              <a:ea typeface="맑은 고딕"/>
+              <a:cs typeface="Calibri"/>
+            </a:endParaRPr>
           </a:p>
         </p:txBody>
       </p:sp>
@@ -6492,6 +6695,14 @@
               </a:rPr>
               <a:t>악마족</a:t>
             </a:r>
+            <a:endParaRPr kumimoji="0" lang="ko-KR" altLang="en-US" sz="1300" b="0" i="0" u="none" strike="noStrike" kern="1200" cap="none" spc="0" normalizeH="0" baseline="0">
+              <a:solidFill>
+                <a:srgbClr val="000000"/>
+              </a:solidFill>
+              <a:latin typeface="맑은 고딕"/>
+              <a:ea typeface="맑은 고딕"/>
+              <a:cs typeface="Calibri"/>
+            </a:endParaRPr>
           </a:p>
         </p:txBody>
       </p:sp>
@@ -6549,6 +6760,14 @@
               </a:rPr>
               <a:t>용족</a:t>
             </a:r>
+            <a:endParaRPr kumimoji="0" lang="ko-KR" altLang="en-US" sz="1300" b="0" i="0" u="none" strike="noStrike" kern="1200" cap="none" spc="0" normalizeH="0" baseline="0">
+              <a:solidFill>
+                <a:srgbClr val="000000"/>
+              </a:solidFill>
+              <a:latin typeface="맑은 고딕"/>
+              <a:ea typeface="맑은 고딕"/>
+              <a:cs typeface="Calibri"/>
+            </a:endParaRPr>
           </a:p>
         </p:txBody>
       </p:sp>
@@ -6705,6 +6924,14 @@
               </a:rPr>
               <a:t>악마보스</a:t>
             </a:r>
+            <a:endParaRPr kumimoji="0" lang="ko-KR" altLang="en-US" sz="1500" b="0" i="0" u="none" strike="noStrike" kern="1200" cap="none" spc="0" normalizeH="0" baseline="0">
+              <a:solidFill>
+                <a:srgbClr val="000000"/>
+              </a:solidFill>
+              <a:latin typeface="Calibri"/>
+              <a:ea typeface="맑은 고딕"/>
+              <a:cs typeface="Calibri"/>
+            </a:endParaRPr>
           </a:p>
         </p:txBody>
       </p:sp>
@@ -6773,6 +7000,14 @@
               </a:rPr>
               <a:t>2</a:t>
             </a:r>
+            <a:endParaRPr kumimoji="0" lang="en-US" altLang="ko-KR" sz="1500" b="0" i="0" u="none" strike="noStrike" kern="1200" cap="none" spc="0" normalizeH="0" baseline="0">
+              <a:solidFill>
+                <a:srgbClr val="000000"/>
+              </a:solidFill>
+              <a:latin typeface="Calibri"/>
+              <a:ea typeface="맑은 고딕"/>
+              <a:cs typeface="Calibri"/>
+            </a:endParaRPr>
           </a:p>
         </p:txBody>
       </p:sp>
@@ -6841,6 +7076,14 @@
               </a:rPr>
               <a:t>1</a:t>
             </a:r>
+            <a:endParaRPr kumimoji="0" lang="en-US" altLang="ko-KR" sz="1500" b="0" i="0" u="none" strike="noStrike" kern="1200" cap="none" spc="0" normalizeH="0" baseline="0">
+              <a:solidFill>
+                <a:srgbClr val="000000"/>
+              </a:solidFill>
+              <a:latin typeface="Calibri"/>
+              <a:ea typeface="맑은 고딕"/>
+              <a:cs typeface="Calibri"/>
+            </a:endParaRPr>
           </a:p>
         </p:txBody>
       </p:sp>
@@ -6898,6 +7141,14 @@
               </a:rPr>
               <a:t>용보스</a:t>
             </a:r>
+            <a:endParaRPr kumimoji="0" lang="ko-KR" altLang="en-US" sz="1500" b="0" i="0" u="none" strike="noStrike" kern="1200" cap="none" spc="0" normalizeH="0" baseline="0">
+              <a:solidFill>
+                <a:srgbClr val="000000"/>
+              </a:solidFill>
+              <a:latin typeface="Calibri"/>
+              <a:ea typeface="맑은 고딕"/>
+              <a:cs typeface="Calibri"/>
+            </a:endParaRPr>
           </a:p>
         </p:txBody>
       </p:sp>
@@ -6966,6 +7217,14 @@
               </a:rPr>
               <a:t>2</a:t>
             </a:r>
+            <a:endParaRPr kumimoji="0" lang="en-US" altLang="ko-KR" sz="1500" b="0" i="0" u="none" strike="noStrike" kern="1200" cap="none" spc="0" normalizeH="0" baseline="0">
+              <a:solidFill>
+                <a:srgbClr val="000000"/>
+              </a:solidFill>
+              <a:latin typeface="Calibri"/>
+              <a:ea typeface="맑은 고딕"/>
+              <a:cs typeface="Calibri"/>
+            </a:endParaRPr>
           </a:p>
         </p:txBody>
       </p:sp>
@@ -7034,6 +7293,14 @@
               </a:rPr>
               <a:t>1</a:t>
             </a:r>
+            <a:endParaRPr kumimoji="0" lang="en-US" altLang="ko-KR" sz="1500" b="0" i="0" u="none" strike="noStrike" kern="1200" cap="none" spc="0" normalizeH="0" baseline="0">
+              <a:solidFill>
+                <a:srgbClr val="000000"/>
+              </a:solidFill>
+              <a:latin typeface="Calibri"/>
+              <a:ea typeface="맑은 고딕"/>
+              <a:cs typeface="Calibri"/>
+            </a:endParaRPr>
           </a:p>
         </p:txBody>
       </p:sp>
@@ -7091,6 +7358,14 @@
               </a:rPr>
               <a:t>기계보스</a:t>
             </a:r>
+            <a:endParaRPr kumimoji="0" lang="ko-KR" altLang="en-US" sz="1500" b="0" i="0" u="none" strike="noStrike" kern="1200" cap="none" spc="0" normalizeH="0" baseline="0">
+              <a:solidFill>
+                <a:srgbClr val="000000"/>
+              </a:solidFill>
+              <a:latin typeface="Calibri"/>
+              <a:ea typeface="맑은 고딕"/>
+              <a:cs typeface="Calibri"/>
+            </a:endParaRPr>
           </a:p>
         </p:txBody>
       </p:sp>
@@ -7159,6 +7434,14 @@
               </a:rPr>
               <a:t>2</a:t>
             </a:r>
+            <a:endParaRPr kumimoji="0" lang="en-US" altLang="ko-KR" sz="1500" b="0" i="0" u="none" strike="noStrike" kern="1200" cap="none" spc="0" normalizeH="0" baseline="0">
+              <a:solidFill>
+                <a:srgbClr val="000000"/>
+              </a:solidFill>
+              <a:latin typeface="Calibri"/>
+              <a:ea typeface="맑은 고딕"/>
+              <a:cs typeface="Calibri"/>
+            </a:endParaRPr>
           </a:p>
         </p:txBody>
       </p:sp>
@@ -7227,6 +7510,14 @@
               </a:rPr>
               <a:t>1</a:t>
             </a:r>
+            <a:endParaRPr kumimoji="0" lang="en-US" altLang="ko-KR" sz="1500" b="0" i="0" u="none" strike="noStrike" kern="1200" cap="none" spc="0" normalizeH="0" baseline="0">
+              <a:solidFill>
+                <a:srgbClr val="000000"/>
+              </a:solidFill>
+              <a:latin typeface="Calibri"/>
+              <a:ea typeface="맑은 고딕"/>
+              <a:cs typeface="Calibri"/>
+            </a:endParaRPr>
           </a:p>
         </p:txBody>
       </p:sp>
@@ -7571,7 +7862,7 @@
               <a:defRPr/>
             </a:pPr>
             <a:r>
-              <a:rPr kumimoji="0" lang="ko-KR" altLang="en-US" sz="1500" b="0" i="0" u="none" strike="noStrike" kern="1200" cap="none" spc="0" normalizeH="0" baseline="0" dirty="0">
+              <a:rPr kumimoji="0" lang="ko-KR" altLang="en-US" sz="1500" b="0" i="0" u="none" strike="noStrike" kern="1200" cap="none" spc="0" normalizeH="0" baseline="0">
                 <a:solidFill>
                   <a:srgbClr val="000000"/>
                 </a:solidFill>
@@ -7581,6 +7872,14 @@
               </a:rPr>
               <a:t>인터페이스</a:t>
             </a:r>
+            <a:endParaRPr kumimoji="0" lang="ko-KR" altLang="en-US" sz="1500" b="0" i="0" u="none" strike="noStrike" kern="1200" cap="none" spc="0" normalizeH="0" baseline="0">
+              <a:solidFill>
+                <a:srgbClr val="000000"/>
+              </a:solidFill>
+              <a:latin typeface="Calibri"/>
+              <a:ea typeface="맑은 고딕"/>
+              <a:cs typeface="Calibri"/>
+            </a:endParaRPr>
           </a:p>
           <a:p>
             <a:pPr marL="0" lvl="0" indent="0" algn="ctr" defTabSz="914400" rtl="0" eaLnBrk="1" latinLnBrk="1" hangingPunct="1">
@@ -7597,7 +7896,7 @@
               <a:defRPr/>
             </a:pPr>
             <a:r>
-              <a:rPr kumimoji="0" lang="ko-KR" altLang="en-US" sz="1500" b="0" i="0" u="none" strike="noStrike" kern="1200" cap="none" spc="0" normalizeH="0" baseline="0" dirty="0">
+              <a:rPr kumimoji="0" lang="ko-KR" altLang="en-US" sz="1500" b="0" i="0" u="none" strike="noStrike" kern="1200" cap="none" spc="0" normalizeH="0" baseline="0">
                 <a:solidFill>
                   <a:srgbClr val="000000"/>
                 </a:solidFill>
@@ -7607,6 +7906,14 @@
               </a:rPr>
               <a:t>스킬</a:t>
             </a:r>
+            <a:endParaRPr kumimoji="0" lang="ko-KR" altLang="en-US" sz="1500" b="0" i="0" u="none" strike="noStrike" kern="1200" cap="none" spc="0" normalizeH="0" baseline="0">
+              <a:solidFill>
+                <a:srgbClr val="000000"/>
+              </a:solidFill>
+              <a:latin typeface="Calibri"/>
+              <a:ea typeface="맑은 고딕"/>
+              <a:cs typeface="Calibri"/>
+            </a:endParaRPr>
           </a:p>
           <a:p>
             <a:pPr marL="0" lvl="0" indent="0" algn="ctr" defTabSz="914400" rtl="0" eaLnBrk="1" latinLnBrk="1" hangingPunct="1">
@@ -7623,7 +7930,7 @@
               <a:defRPr/>
             </a:pPr>
             <a:r>
-              <a:rPr kumimoji="0" lang="ko-KR" altLang="en-US" sz="1500" b="0" i="0" u="none" strike="noStrike" kern="1200" cap="none" spc="0" normalizeH="0" baseline="0" dirty="0">
+              <a:rPr kumimoji="0" lang="ko-KR" altLang="en-US" sz="1500" b="0" i="0" u="none" strike="noStrike" kern="1200" cap="none" spc="0" normalizeH="0" baseline="0">
                 <a:solidFill>
                   <a:srgbClr val="000000"/>
                 </a:solidFill>
@@ -7634,7 +7941,7 @@
               <a:t>메서드 </a:t>
             </a:r>
             <a:r>
-              <a:rPr kumimoji="0" lang="en-US" altLang="ko-KR" sz="1500" b="0" i="0" u="none" strike="noStrike" kern="1200" cap="none" spc="0" normalizeH="0" baseline="0" dirty="0">
+              <a:rPr kumimoji="0" lang="en-US" altLang="ko-KR" sz="1500" b="0" i="0" u="none" strike="noStrike" kern="1200" cap="none" spc="0" normalizeH="0" baseline="0">
                 <a:solidFill>
                   <a:srgbClr val="000000"/>
                 </a:solidFill>
@@ -7645,7 +7952,7 @@
               <a:t>: </a:t>
             </a:r>
             <a:r>
-              <a:rPr kumimoji="0" lang="ko-KR" altLang="en-US" sz="1500" b="0" i="0" u="none" strike="noStrike" kern="1200" cap="none" spc="0" normalizeH="0" baseline="0" dirty="0">
+              <a:rPr kumimoji="0" lang="ko-KR" altLang="en-US" sz="1500" b="0" i="0" u="none" strike="noStrike" kern="1200" cap="none" spc="0" normalizeH="0" baseline="0">
                 <a:solidFill>
                   <a:srgbClr val="000000"/>
                 </a:solidFill>
@@ -7655,22 +7962,30 @@
               </a:rPr>
               <a:t>스킬</a:t>
             </a:r>
+            <a:endParaRPr kumimoji="0" lang="ko-KR" altLang="en-US" sz="1500" b="0" i="0" u="none" strike="noStrike" kern="1200" cap="none" spc="0" normalizeH="0" baseline="0">
+              <a:solidFill>
+                <a:srgbClr val="000000"/>
+              </a:solidFill>
+              <a:latin typeface="Calibri"/>
+              <a:ea typeface="맑은 고딕"/>
+              <a:cs typeface="Calibri"/>
+            </a:endParaRPr>
           </a:p>
         </p:txBody>
       </p:sp>
       <p:cxnSp>
         <p:nvCxnSpPr>
-          <p:cNvPr id="184" name="선 183"/>
+          <p:cNvPr id="29" name="직선 연결선 28"/>
           <p:cNvCxnSpPr>
-            <a:stCxn id="162" idx="3"/>
+            <a:stCxn id="6" idx="3"/>
             <a:endCxn id="183" idx="1"/>
           </p:cNvCxnSpPr>
           <p:nvPr/>
         </p:nvCxnSpPr>
         <p:spPr>
           <a:xfrm>
-            <a:off x="6307128" y="5521095"/>
-            <a:ext cx="3264740" cy="494264"/>
+            <a:off x="3023250" y="1417549"/>
+            <a:ext cx="6548618" cy="4597811"/>
           </a:xfrm>
           <a:prstGeom prst="line">
             <a:avLst/>
@@ -7693,89 +8008,17 @@
       </p:cxnSp>
       <p:cxnSp>
         <p:nvCxnSpPr>
-          <p:cNvPr id="185" name="선 184"/>
+          <p:cNvPr id="189" name="선 188"/>
           <p:cNvCxnSpPr>
-            <a:stCxn id="168" idx="3"/>
-            <a:endCxn id="183" idx="1"/>
+            <a:stCxn id="7" idx="3"/>
+            <a:endCxn id="183" idx="0"/>
           </p:cNvCxnSpPr>
           <p:nvPr/>
         </p:nvCxnSpPr>
         <p:spPr>
-          <a:xfrm flipV="1">
-            <a:off x="9177856" y="6015360"/>
-            <a:ext cx="394012" cy="259798"/>
-          </a:xfrm>
-          <a:prstGeom prst="line">
-            <a:avLst/>
-          </a:prstGeom>
-        </p:spPr>
-        <p:style>
-          <a:lnRef idx="1">
-            <a:schemeClr val="accent1"/>
-          </a:lnRef>
-          <a:fillRef idx="0">
-            <a:schemeClr val="accent1"/>
-          </a:fillRef>
-          <a:effectRef idx="0">
-            <a:schemeClr val="accent1"/>
-          </a:effectRef>
-          <a:fontRef idx="minor">
-            <a:schemeClr val="tx1"/>
-          </a:fontRef>
-        </p:style>
-      </p:cxnSp>
-      <p:cxnSp>
-        <p:nvCxnSpPr>
-          <p:cNvPr id="186" name="선 185"/>
-          <p:cNvCxnSpPr>
-            <a:stCxn id="165" idx="3"/>
-            <a:endCxn id="183" idx="1"/>
-          </p:cNvCxnSpPr>
-          <p:nvPr/>
-        </p:nvCxnSpPr>
-        <p:spPr>
-          <a:xfrm flipV="1">
-            <a:off x="4912243" y="6015360"/>
-            <a:ext cx="4659625" cy="562480"/>
-          </a:xfrm>
-          <a:prstGeom prst="line">
-            <a:avLst/>
-          </a:prstGeom>
-        </p:spPr>
-        <p:style>
-          <a:lnRef idx="1">
-            <a:schemeClr val="accent1"/>
-          </a:lnRef>
-          <a:fillRef idx="0">
-            <a:schemeClr val="accent1"/>
-          </a:fillRef>
-          <a:effectRef idx="0">
-            <a:schemeClr val="accent1"/>
-          </a:effectRef>
-          <a:fontRef idx="minor">
-            <a:schemeClr val="tx1"/>
-          </a:fontRef>
-        </p:style>
-      </p:cxnSp>
-      <p:cxnSp>
-        <p:nvCxnSpPr>
-          <p:cNvPr id="29" name="직선 연결선 28">
-            <a:extLst>
-              <a:ext uri="{FF2B5EF4-FFF2-40B4-BE49-F238E27FC236}">
-                <a16:creationId xmlns:a16="http://schemas.microsoft.com/office/drawing/2014/main" id="{A015DED8-D27B-4927-4D9C-154386DA2EEB}"/>
-              </a:ext>
-            </a:extLst>
-          </p:cNvPr>
-          <p:cNvCxnSpPr>
-            <a:stCxn id="6" idx="3"/>
-            <a:endCxn id="183" idx="1"/>
-          </p:cNvCxnSpPr>
-          <p:nvPr/>
-        </p:nvCxnSpPr>
-        <p:spPr>
           <a:xfrm>
-            <a:off x="3023250" y="1417549"/>
-            <a:ext cx="6548618" cy="4597811"/>
+            <a:off x="5272862" y="1929305"/>
+            <a:ext cx="5266072" cy="3471416"/>
           </a:xfrm>
           <a:prstGeom prst="line">
             <a:avLst/>
@@ -7801,11 +8044,11 @@
   <p:clrMapOvr>
     <a:masterClrMapping/>
   </p:clrMapOvr>
-  <mc:AlternateContent xmlns:mc="http://schemas.openxmlformats.org/markup-compatibility/2006" xmlns:p14="http://schemas.microsoft.com/office/powerpoint/2010/main">
-    <mc:Choice Requires="p14">
-      <p:transition/>
+  <mc:AlternateContent xmlns:mc="http://schemas.openxmlformats.org/markup-compatibility/2006">
+    <mc:Choice xmlns:p14="http://schemas.microsoft.com/office/powerpoint/2010/main" Requires="p14">
+      <p:transition xmlns:mc="http://schemas.openxmlformats.org/markup-compatibility/2006" xmlns:p14="http://schemas.microsoft.com/office/powerpoint/2010/main" mc:Ignorable="p14" p14:dur="500"/>
     </mc:Choice>
-    <mc:Fallback xmlns:dsp="http://schemas.microsoft.com/office/drawing/2008/diagram" xmlns:dgm="http://schemas.openxmlformats.org/drawingml/2006/diagram" xmlns:c="http://schemas.openxmlformats.org/drawingml/2006/chart" xmlns="">
+    <mc:Fallback>
       <p:transition/>
     </mc:Fallback>
   </mc:AlternateContent>
@@ -7813,44 +8056,44 @@
 </file>
 
 <file path=ppt/theme/theme1.xml><?xml version="1.0" encoding="utf-8"?>
-<a:theme xmlns:a="http://schemas.openxmlformats.org/drawingml/2006/main" name="Office 테마">
+<a:theme xmlns:r="http://schemas.openxmlformats.org/officeDocument/2006/relationships" xmlns:c="http://schemas.openxmlformats.org/drawingml/2006/chart" xmlns:dgm="http://schemas.openxmlformats.org/drawingml/2006/diagram" xmlns:dsp="http://schemas.microsoft.com/office/drawing/2008/diagram" xmlns:a="http://schemas.openxmlformats.org/drawingml/2006/main" xmlns:pic="http://schemas.openxmlformats.org/drawingml/2006/picture" xmlns:wp="http://schemas.openxmlformats.org/drawingml/2006/wordprocessingDrawing" xmlns:xdr="http://schemas.openxmlformats.org/drawingml/2006/spreadsheetDrawing" xmlns:lc="http://schemas.openxmlformats.org/drawingml/2006/lockedCanvas" xmlns:p="http://schemas.openxmlformats.org/presentationml/2006/main" name="Office 테마">
   <a:themeElements>
     <a:clrScheme name="Office">
       <a:dk1>
         <a:sysClr val="windowText" lastClr="000000"/>
       </a:dk1>
       <a:lt1>
-        <a:sysClr val="window" lastClr="FFFFFF"/>
+        <a:sysClr val="window" lastClr="ffffff"/>
       </a:lt1>
       <a:dk2>
-        <a:srgbClr val="44546A"/>
+        <a:srgbClr val="44546a"/>
       </a:dk2>
       <a:lt2>
-        <a:srgbClr val="E7E6E6"/>
+        <a:srgbClr val="e7e6e6"/>
       </a:lt2>
       <a:accent1>
-        <a:srgbClr val="4472C4"/>
+        <a:srgbClr val="4472c4"/>
       </a:accent1>
       <a:accent2>
-        <a:srgbClr val="ED7D31"/>
+        <a:srgbClr val="ed7d31"/>
       </a:accent2>
       <a:accent3>
-        <a:srgbClr val="A5A5A5"/>
+        <a:srgbClr val="a5a5a5"/>
       </a:accent3>
       <a:accent4>
-        <a:srgbClr val="FFC000"/>
+        <a:srgbClr val="ffc000"/>
       </a:accent4>
       <a:accent5>
-        <a:srgbClr val="5B9BD5"/>
+        <a:srgbClr val="5b9bd5"/>
       </a:accent5>
       <a:accent6>
-        <a:srgbClr val="70AD47"/>
+        <a:srgbClr val="70ad47"/>
       </a:accent6>
       <a:hlink>
-        <a:srgbClr val="0563C1"/>
+        <a:srgbClr val="0563c1"/>
       </a:hlink>
       <a:folHlink>
-        <a:srgbClr val="954F72"/>
+        <a:srgbClr val="954f72"/>
       </a:folHlink>
     </a:clrScheme>
     <a:fontScheme name="Office">
@@ -8097,7 +8340,5 @@
       </a:bgFillStyleLst>
     </a:fmtScheme>
   </a:themeElements>
-  <a:objectDefaults/>
-  <a:extraClrSchemeLst/>
 </a:theme>
 </file>
--- a/rpg수정.pptx
+++ b/rpg수정.pptx
@@ -8008,17 +8008,83 @@
       </p:cxnSp>
       <p:cxnSp>
         <p:nvCxnSpPr>
-          <p:cNvPr id="189" name="선 188"/>
+          <p:cNvPr id="200" name="선 199"/>
           <p:cNvCxnSpPr>
-            <a:stCxn id="7" idx="3"/>
-            <a:endCxn id="183" idx="0"/>
+            <a:stCxn id="158" idx="3"/>
+            <a:endCxn id="183" idx="1"/>
           </p:cNvCxnSpPr>
           <p:nvPr/>
         </p:nvCxnSpPr>
         <p:spPr>
           <a:xfrm>
-            <a:off x="5272862" y="1929305"/>
-            <a:ext cx="5266072" cy="3471416"/>
+            <a:off x="4338006" y="4163663"/>
+            <a:ext cx="5233862" cy="1851696"/>
+          </a:xfrm>
+          <a:prstGeom prst="line">
+            <a:avLst/>
+          </a:prstGeom>
+        </p:spPr>
+        <p:style>
+          <a:lnRef idx="1">
+            <a:schemeClr val="accent1"/>
+          </a:lnRef>
+          <a:fillRef idx="0">
+            <a:schemeClr val="accent1"/>
+          </a:fillRef>
+          <a:effectRef idx="0">
+            <a:schemeClr val="accent1"/>
+          </a:effectRef>
+          <a:fontRef idx="minor">
+            <a:schemeClr val="tx1"/>
+          </a:fontRef>
+        </p:style>
+      </p:cxnSp>
+      <p:cxnSp>
+        <p:nvCxnSpPr>
+          <p:cNvPr id="201" name="선 200"/>
+          <p:cNvCxnSpPr>
+            <a:stCxn id="157" idx="3"/>
+            <a:endCxn id="183" idx="1"/>
+          </p:cNvCxnSpPr>
+          <p:nvPr/>
+        </p:nvCxnSpPr>
+        <p:spPr>
+          <a:xfrm>
+            <a:off x="5323316" y="4156785"/>
+            <a:ext cx="4248552" cy="1858574"/>
+          </a:xfrm>
+          <a:prstGeom prst="line">
+            <a:avLst/>
+          </a:prstGeom>
+        </p:spPr>
+        <p:style>
+          <a:lnRef idx="1">
+            <a:schemeClr val="accent1"/>
+          </a:lnRef>
+          <a:fillRef idx="0">
+            <a:schemeClr val="accent1"/>
+          </a:fillRef>
+          <a:effectRef idx="0">
+            <a:schemeClr val="accent1"/>
+          </a:effectRef>
+          <a:fontRef idx="minor">
+            <a:schemeClr val="tx1"/>
+          </a:fontRef>
+        </p:style>
+      </p:cxnSp>
+      <p:cxnSp>
+        <p:nvCxnSpPr>
+          <p:cNvPr id="204" name="선 203"/>
+          <p:cNvCxnSpPr>
+            <a:stCxn id="156" idx="3"/>
+            <a:endCxn id="183" idx="1"/>
+          </p:cNvCxnSpPr>
+          <p:nvPr/>
+        </p:nvCxnSpPr>
+        <p:spPr>
+          <a:xfrm>
+            <a:off x="6295394" y="4110214"/>
+            <a:ext cx="3276474" cy="1905145"/>
           </a:xfrm>
           <a:prstGeom prst="line">
             <a:avLst/>

--- a/rpg수정.pptx
+++ b/rpg수정.pptx
@@ -8008,83 +8008,17 @@
       </p:cxnSp>
       <p:cxnSp>
         <p:nvCxnSpPr>
-          <p:cNvPr id="200" name="선 199"/>
+          <p:cNvPr id="205" name="선 204"/>
           <p:cNvCxnSpPr>
-            <a:stCxn id="158" idx="3"/>
+            <a:stCxn id="7" idx="3"/>
             <a:endCxn id="183" idx="1"/>
           </p:cNvCxnSpPr>
           <p:nvPr/>
         </p:nvCxnSpPr>
         <p:spPr>
           <a:xfrm>
-            <a:off x="4338006" y="4163663"/>
-            <a:ext cx="5233862" cy="1851696"/>
-          </a:xfrm>
-          <a:prstGeom prst="line">
-            <a:avLst/>
-          </a:prstGeom>
-        </p:spPr>
-        <p:style>
-          <a:lnRef idx="1">
-            <a:schemeClr val="accent1"/>
-          </a:lnRef>
-          <a:fillRef idx="0">
-            <a:schemeClr val="accent1"/>
-          </a:fillRef>
-          <a:effectRef idx="0">
-            <a:schemeClr val="accent1"/>
-          </a:effectRef>
-          <a:fontRef idx="minor">
-            <a:schemeClr val="tx1"/>
-          </a:fontRef>
-        </p:style>
-      </p:cxnSp>
-      <p:cxnSp>
-        <p:nvCxnSpPr>
-          <p:cNvPr id="201" name="선 200"/>
-          <p:cNvCxnSpPr>
-            <a:stCxn id="157" idx="3"/>
-            <a:endCxn id="183" idx="1"/>
-          </p:cNvCxnSpPr>
-          <p:nvPr/>
-        </p:nvCxnSpPr>
-        <p:spPr>
-          <a:xfrm>
-            <a:off x="5323316" y="4156785"/>
-            <a:ext cx="4248552" cy="1858574"/>
-          </a:xfrm>
-          <a:prstGeom prst="line">
-            <a:avLst/>
-          </a:prstGeom>
-        </p:spPr>
-        <p:style>
-          <a:lnRef idx="1">
-            <a:schemeClr val="accent1"/>
-          </a:lnRef>
-          <a:fillRef idx="0">
-            <a:schemeClr val="accent1"/>
-          </a:fillRef>
-          <a:effectRef idx="0">
-            <a:schemeClr val="accent1"/>
-          </a:effectRef>
-          <a:fontRef idx="minor">
-            <a:schemeClr val="tx1"/>
-          </a:fontRef>
-        </p:style>
-      </p:cxnSp>
-      <p:cxnSp>
-        <p:nvCxnSpPr>
-          <p:cNvPr id="204" name="선 203"/>
-          <p:cNvCxnSpPr>
-            <a:stCxn id="156" idx="3"/>
-            <a:endCxn id="183" idx="1"/>
-          </p:cNvCxnSpPr>
-          <p:nvPr/>
-        </p:nvCxnSpPr>
-        <p:spPr>
-          <a:xfrm>
-            <a:off x="6295394" y="4110214"/>
-            <a:ext cx="3276474" cy="1905145"/>
+            <a:off x="5272856" y="1929305"/>
+            <a:ext cx="4299012" cy="4086054"/>
           </a:xfrm>
           <a:prstGeom prst="line">
             <a:avLst/>
